--- a/lectures/5/1_Research Presentation.pptx
+++ b/lectures/5/1_Research Presentation.pptx
@@ -254,7 +254,7 @@
           <a:p>
             <a:fld id="{73B2889B-A0AC-4482-8592-5C96F2309420}" type="datetimeFigureOut">
               <a:rPr lang="en-US" smtClean="0"/>
-              <a:t>7/7/2021</a:t>
+              <a:t>9/8/2021</a:t>
             </a:fld>
             <a:endParaRPr lang="en-US"/>
           </a:p>
@@ -431,7 +431,7 @@
           <a:p>
             <a:fld id="{830EB223-FFC0-462A-A3B8-EAA7CE0F8CBD}" type="datetimeFigureOut">
               <a:rPr lang="en-US" smtClean="0"/>
-              <a:t>7/7/2021</a:t>
+              <a:t>9/8/2021</a:t>
             </a:fld>
             <a:endParaRPr lang="en-US" dirty="0"/>
           </a:p>
@@ -1263,7 +1263,7 @@
           <a:p>
             <a:fld id="{DECF21A4-E71B-4D3A-AF45-E989C23A7BB1}" type="datetimeFigureOut">
               <a:rPr lang="en-US" smtClean="0"/>
-              <a:t>7/7/2021</a:t>
+              <a:t>9/8/2021</a:t>
             </a:fld>
             <a:endParaRPr lang="en-US" dirty="0"/>
           </a:p>
@@ -1461,7 +1461,7 @@
           <a:p>
             <a:fld id="{DECF21A4-E71B-4D3A-AF45-E989C23A7BB1}" type="datetimeFigureOut">
               <a:rPr lang="en-US" smtClean="0"/>
-              <a:t>7/7/2021</a:t>
+              <a:t>9/8/2021</a:t>
             </a:fld>
             <a:endParaRPr lang="en-US" dirty="0"/>
           </a:p>
@@ -1669,7 +1669,7 @@
           <a:p>
             <a:fld id="{DECF21A4-E71B-4D3A-AF45-E989C23A7BB1}" type="datetimeFigureOut">
               <a:rPr lang="en-US" smtClean="0"/>
-              <a:t>7/7/2021</a:t>
+              <a:t>9/8/2021</a:t>
             </a:fld>
             <a:endParaRPr lang="en-US" dirty="0"/>
           </a:p>
@@ -1867,7 +1867,7 @@
           <a:p>
             <a:fld id="{DECF21A4-E71B-4D3A-AF45-E989C23A7BB1}" type="datetimeFigureOut">
               <a:rPr lang="en-US" smtClean="0"/>
-              <a:t>7/7/2021</a:t>
+              <a:t>9/8/2021</a:t>
             </a:fld>
             <a:endParaRPr lang="en-US" dirty="0"/>
           </a:p>
@@ -2142,7 +2142,7 @@
           <a:p>
             <a:fld id="{DECF21A4-E71B-4D3A-AF45-E989C23A7BB1}" type="datetimeFigureOut">
               <a:rPr lang="en-US" smtClean="0"/>
-              <a:t>7/7/2021</a:t>
+              <a:t>9/8/2021</a:t>
             </a:fld>
             <a:endParaRPr lang="en-US" dirty="0"/>
           </a:p>
@@ -2407,7 +2407,7 @@
           <a:p>
             <a:fld id="{DECF21A4-E71B-4D3A-AF45-E989C23A7BB1}" type="datetimeFigureOut">
               <a:rPr lang="en-US" smtClean="0"/>
-              <a:t>7/7/2021</a:t>
+              <a:t>9/8/2021</a:t>
             </a:fld>
             <a:endParaRPr lang="en-US" dirty="0"/>
           </a:p>
@@ -2819,7 +2819,7 @@
           <a:p>
             <a:fld id="{DECF21A4-E71B-4D3A-AF45-E989C23A7BB1}" type="datetimeFigureOut">
               <a:rPr lang="en-US" smtClean="0"/>
-              <a:t>7/7/2021</a:t>
+              <a:t>9/8/2021</a:t>
             </a:fld>
             <a:endParaRPr lang="en-US" dirty="0"/>
           </a:p>
@@ -2960,7 +2960,7 @@
           <a:p>
             <a:fld id="{DECF21A4-E71B-4D3A-AF45-E989C23A7BB1}" type="datetimeFigureOut">
               <a:rPr lang="en-US" smtClean="0"/>
-              <a:t>7/7/2021</a:t>
+              <a:t>9/8/2021</a:t>
             </a:fld>
             <a:endParaRPr lang="en-US" dirty="0"/>
           </a:p>
@@ -3073,7 +3073,7 @@
           <a:p>
             <a:fld id="{DECF21A4-E71B-4D3A-AF45-E989C23A7BB1}" type="datetimeFigureOut">
               <a:rPr lang="en-US" smtClean="0"/>
-              <a:t>7/7/2021</a:t>
+              <a:t>9/8/2021</a:t>
             </a:fld>
             <a:endParaRPr lang="en-US" dirty="0"/>
           </a:p>
@@ -3384,7 +3384,7 @@
           <a:p>
             <a:fld id="{DECF21A4-E71B-4D3A-AF45-E989C23A7BB1}" type="datetimeFigureOut">
               <a:rPr lang="en-US" smtClean="0"/>
-              <a:t>7/7/2021</a:t>
+              <a:t>9/8/2021</a:t>
             </a:fld>
             <a:endParaRPr lang="en-US" dirty="0"/>
           </a:p>
@@ -3676,7 +3676,7 @@
           <a:p>
             <a:fld id="{DECF21A4-E71B-4D3A-AF45-E989C23A7BB1}" type="datetimeFigureOut">
               <a:rPr lang="en-US" smtClean="0"/>
-              <a:t>7/7/2021</a:t>
+              <a:t>9/8/2021</a:t>
             </a:fld>
             <a:endParaRPr lang="en-US" dirty="0"/>
           </a:p>
@@ -3917,7 +3917,7 @@
           <a:p>
             <a:fld id="{DECF21A4-E71B-4D3A-AF45-E989C23A7BB1}" type="datetimeFigureOut">
               <a:rPr lang="en-US" smtClean="0"/>
-              <a:t>7/7/2021</a:t>
+              <a:t>9/8/2021</a:t>
             </a:fld>
             <a:endParaRPr lang="en-US" dirty="0"/>
           </a:p>
@@ -5770,6 +5770,14 @@
 <file path=ppt/slides/slide10.xml><?xml version="1.0" encoding="utf-8"?>
 <p:sld xmlns:a="http://schemas.openxmlformats.org/drawingml/2006/main" xmlns:r="http://schemas.openxmlformats.org/officeDocument/2006/relationships" xmlns:p="http://schemas.openxmlformats.org/presentationml/2006/main">
   <p:cSld>
+    <p:bg>
+      <p:bgPr>
+        <a:solidFill>
+          <a:schemeClr val="bg1"/>
+        </a:solidFill>
+        <a:effectLst/>
+      </p:bgPr>
+    </p:bg>
     <p:spTree>
       <p:nvGrpSpPr>
         <p:cNvPr id="1" name=""/>
@@ -5786,6 +5794,75 @@
       </p:grpSpPr>
       <p:sp>
         <p:nvSpPr>
+          <p:cNvPr id="15" name="Rectangle 8">
+            <a:extLst>
+              <a:ext uri="{FF2B5EF4-FFF2-40B4-BE49-F238E27FC236}">
+                <a16:creationId xmlns:a16="http://schemas.microsoft.com/office/drawing/2014/main" id="{AB45A142-4255-493C-8284-5D566C121B10}"/>
+              </a:ext>
+              <a:ext uri="{C183D7F6-B498-43B3-948B-1728B52AA6E4}">
+                <adec:decorative xmlns:adec="http://schemas.microsoft.com/office/drawing/2017/decorative" val="1"/>
+              </a:ext>
+            </a:extLst>
+          </p:cNvPr>
+          <p:cNvSpPr>
+            <a:spLocks noGrp="1" noRot="1" noChangeAspect="1" noMove="1" noResize="1" noEditPoints="1" noAdjustHandles="1" noChangeArrowheads="1" noChangeShapeType="1" noTextEdit="1"/>
+          </p:cNvSpPr>
+          <p:nvPr>
+            <p:extLst>
+              <p:ext uri="{386F3935-93C4-4BCD-93E2-E3B085C9AB24}">
+                <p16:designElem xmlns:p16="http://schemas.microsoft.com/office/powerpoint/2015/main" val="1"/>
+              </p:ext>
+            </p:extLst>
+          </p:nvPr>
+        </p:nvSpPr>
+        <p:spPr bwMode="ltGray">
+          <a:xfrm>
+            <a:off x="336884" y="321177"/>
+            <a:ext cx="4332307" cy="6179552"/>
+          </a:xfrm>
+          <a:prstGeom prst="rect">
+            <a:avLst/>
+          </a:prstGeom>
+          <a:solidFill>
+            <a:srgbClr val="404040">
+              <a:alpha val="89804"/>
+            </a:srgbClr>
+          </a:solidFill>
+          <a:ln w="127000" cap="sq" cmpd="thinThick">
+            <a:solidFill>
+              <a:srgbClr val="595959">
+                <a:alpha val="80000"/>
+              </a:srgbClr>
+            </a:solidFill>
+          </a:ln>
+        </p:spPr>
+        <p:style>
+          <a:lnRef idx="2">
+            <a:schemeClr val="accent1">
+              <a:shade val="50000"/>
+            </a:schemeClr>
+          </a:lnRef>
+          <a:fillRef idx="1">
+            <a:schemeClr val="accent1"/>
+          </a:fillRef>
+          <a:effectRef idx="0">
+            <a:schemeClr val="accent1"/>
+          </a:effectRef>
+          <a:fontRef idx="minor">
+            <a:schemeClr val="lt1"/>
+          </a:fontRef>
+        </p:style>
+        <p:txBody>
+          <a:bodyPr rtlCol="0" anchor="ctr"/>
+          <a:lstStyle/>
+          <a:p>
+            <a:pPr algn="ctr"/>
+            <a:endParaRPr lang="en-US"/>
+          </a:p>
+        </p:txBody>
+      </p:sp>
+      <p:sp>
+        <p:nvSpPr>
           <p:cNvPr id="2" name="Title 1">
             <a:extLst>
               <a:ext uri="{FF2B5EF4-FFF2-40B4-BE49-F238E27FC236}">
@@ -5800,18 +5877,85 @@
             <p:ph type="title"/>
           </p:nvPr>
         </p:nvSpPr>
-        <p:spPr/>
-        <p:txBody>
-          <a:bodyPr/>
-          <a:lstStyle/>
-          <a:p>
-            <a:r>
-              <a:rPr lang="en-US" dirty="0"/>
+        <p:spPr>
+          <a:xfrm>
+            <a:off x="674237" y="914400"/>
+            <a:ext cx="3657600" cy="2887579"/>
+          </a:xfrm>
+        </p:spPr>
+        <p:txBody>
+          <a:bodyPr vert="horz" lIns="91440" tIns="45720" rIns="91440" bIns="45720" rtlCol="0" anchor="b">
+            <a:normAutofit/>
+          </a:bodyPr>
+          <a:lstStyle/>
+          <a:p>
+            <a:pPr algn="ctr"/>
+            <a:r>
+              <a:rPr lang="en-US" sz="4800" kern="1200">
+                <a:solidFill>
+                  <a:srgbClr val="FFFFFF"/>
+                </a:solidFill>
+                <a:latin typeface="+mj-lt"/>
+                <a:ea typeface="+mj-ea"/>
+                <a:cs typeface="+mj-cs"/>
+              </a:rPr>
               <a:t>Types of Primary Data</a:t>
             </a:r>
           </a:p>
         </p:txBody>
       </p:sp>
+      <p:cxnSp>
+        <p:nvCxnSpPr>
+          <p:cNvPr id="16" name="Straight Connector 10">
+            <a:extLst>
+              <a:ext uri="{FF2B5EF4-FFF2-40B4-BE49-F238E27FC236}">
+                <a16:creationId xmlns:a16="http://schemas.microsoft.com/office/drawing/2014/main" id="{38FB9660-F42F-4313-BBC4-47C007FE484C}"/>
+              </a:ext>
+              <a:ext uri="{C183D7F6-B498-43B3-948B-1728B52AA6E4}">
+                <adec:decorative xmlns:adec="http://schemas.microsoft.com/office/drawing/2017/decorative" val="1"/>
+              </a:ext>
+            </a:extLst>
+          </p:cNvPr>
+          <p:cNvCxnSpPr>
+            <a:cxnSpLocks noGrp="1" noRot="1" noChangeAspect="1" noMove="1" noResize="1" noEditPoints="1" noAdjustHandles="1" noChangeArrowheads="1" noChangeShapeType="1"/>
+          </p:cNvCxnSpPr>
+          <p:nvPr>
+            <p:extLst>
+              <p:ext uri="{386F3935-93C4-4BCD-93E2-E3B085C9AB24}">
+                <p16:designElem xmlns:p16="http://schemas.microsoft.com/office/powerpoint/2015/main" val="1"/>
+              </p:ext>
+            </p:extLst>
+          </p:nvPr>
+        </p:nvCxnSpPr>
+        <p:spPr>
+          <a:xfrm>
+            <a:off x="1191126" y="3910267"/>
+            <a:ext cx="2586790" cy="0"/>
+          </a:xfrm>
+          <a:prstGeom prst="line">
+            <a:avLst/>
+          </a:prstGeom>
+          <a:ln w="22225">
+            <a:solidFill>
+              <a:srgbClr val="D9D9D9"/>
+            </a:solidFill>
+          </a:ln>
+        </p:spPr>
+        <p:style>
+          <a:lnRef idx="1">
+            <a:schemeClr val="accent1"/>
+          </a:lnRef>
+          <a:fillRef idx="0">
+            <a:schemeClr val="accent1"/>
+          </a:fillRef>
+          <a:effectRef idx="0">
+            <a:schemeClr val="accent1"/>
+          </a:effectRef>
+          <a:fontRef idx="minor">
+            <a:schemeClr val="tx1"/>
+          </a:fontRef>
+        </p:style>
+      </p:cxnSp>
       <p:pic>
         <p:nvPicPr>
           <p:cNvPr id="4" name="Picture 3" descr="A circular illustration shows the seven types of Primary Data pointing to the center element, “Behavior”. The types are as follows: Motivation, Demographic/Socioeconomic, Personality/Lifestyle, Attitudes, Awareness/Knowledge, and Intentions.">
@@ -5834,26 +5978,19 @@
               </a:ext>
             </a:extLst>
           </a:blip>
-          <a:srcRect/>
           <a:stretch>
             <a:fillRect/>
           </a:stretch>
         </p:blipFill>
         <p:spPr bwMode="auto">
           <a:xfrm>
-            <a:off x="1981200" y="1233908"/>
-            <a:ext cx="8229600" cy="4390184"/>
+            <a:off x="5153822" y="1688090"/>
+            <a:ext cx="6553545" cy="3489762"/>
           </a:xfrm>
           <a:prstGeom prst="rect">
             <a:avLst/>
           </a:prstGeom>
           <a:noFill/>
-          <a:ln w="9525">
-            <a:noFill/>
-            <a:miter lim="800000"/>
-            <a:headEnd/>
-            <a:tailEnd/>
-          </a:ln>
           <a:extLst>
             <a:ext uri="{909E8E84-426E-40DD-AFC4-6F175D3DCCD1}">
               <a14:hiddenFill xmlns:a14="http://schemas.microsoft.com/office/drawing/2010/main">
@@ -5891,6 +6028,14 @@
 <file path=ppt/slides/slide11.xml><?xml version="1.0" encoding="utf-8"?>
 <p:sld xmlns:a="http://schemas.openxmlformats.org/drawingml/2006/main" xmlns:r="http://schemas.openxmlformats.org/officeDocument/2006/relationships" xmlns:p="http://schemas.openxmlformats.org/presentationml/2006/main">
   <p:cSld>
+    <p:bg>
+      <p:bgPr>
+        <a:solidFill>
+          <a:schemeClr val="bg1"/>
+        </a:solidFill>
+        <a:effectLst/>
+      </p:bgPr>
+    </p:bg>
     <p:spTree>
       <p:nvGrpSpPr>
         <p:cNvPr id="1" name=""/>
@@ -5905,6 +6050,200 @@
           <a:chExt cx="0" cy="0"/>
         </a:xfrm>
       </p:grpSpPr>
+      <p:sp useBgFill="1">
+        <p:nvSpPr>
+          <p:cNvPr id="8" name="Rectangle 7">
+            <a:extLst>
+              <a:ext uri="{FF2B5EF4-FFF2-40B4-BE49-F238E27FC236}">
+                <a16:creationId xmlns:a16="http://schemas.microsoft.com/office/drawing/2014/main" id="{907EF6B7-1338-4443-8C46-6A318D952DFD}"/>
+              </a:ext>
+              <a:ext uri="{C183D7F6-B498-43B3-948B-1728B52AA6E4}">
+                <adec:decorative xmlns:adec="http://schemas.microsoft.com/office/drawing/2017/decorative" val="1"/>
+              </a:ext>
+            </a:extLst>
+          </p:cNvPr>
+          <p:cNvSpPr>
+            <a:spLocks noGrp="1" noRot="1" noChangeAspect="1" noMove="1" noResize="1" noEditPoints="1" noAdjustHandles="1" noChangeArrowheads="1" noChangeShapeType="1" noTextEdit="1"/>
+          </p:cNvSpPr>
+          <p:nvPr>
+            <p:extLst>
+              <p:ext uri="{386F3935-93C4-4BCD-93E2-E3B085C9AB24}">
+                <p16:designElem xmlns:p16="http://schemas.microsoft.com/office/powerpoint/2015/main" val="1"/>
+              </p:ext>
+            </p:extLst>
+          </p:nvPr>
+        </p:nvSpPr>
+        <p:spPr>
+          <a:xfrm>
+            <a:off x="3048" y="0"/>
+            <a:ext cx="12188952" cy="6858000"/>
+          </a:xfrm>
+          <a:prstGeom prst="rect">
+            <a:avLst/>
+          </a:prstGeom>
+          <a:ln>
+            <a:noFill/>
+          </a:ln>
+        </p:spPr>
+        <p:style>
+          <a:lnRef idx="2">
+            <a:schemeClr val="accent1">
+              <a:shade val="50000"/>
+            </a:schemeClr>
+          </a:lnRef>
+          <a:fillRef idx="1">
+            <a:schemeClr val="accent1"/>
+          </a:fillRef>
+          <a:effectRef idx="0">
+            <a:schemeClr val="accent1"/>
+          </a:effectRef>
+          <a:fontRef idx="minor">
+            <a:schemeClr val="lt1"/>
+          </a:fontRef>
+        </p:style>
+        <p:txBody>
+          <a:bodyPr rtlCol="0" anchor="ctr"/>
+          <a:lstStyle/>
+          <a:p>
+            <a:pPr algn="ctr"/>
+            <a:endParaRPr lang="en-US"/>
+          </a:p>
+        </p:txBody>
+      </p:sp>
+      <p:sp>
+        <p:nvSpPr>
+          <p:cNvPr id="10" name="Freeform: Shape 9">
+            <a:extLst>
+              <a:ext uri="{FF2B5EF4-FFF2-40B4-BE49-F238E27FC236}">
+                <a16:creationId xmlns:a16="http://schemas.microsoft.com/office/drawing/2014/main" id="{DAAE4CDD-124C-4DCF-9584-B6033B545DD5}"/>
+              </a:ext>
+              <a:ext uri="{C183D7F6-B498-43B3-948B-1728B52AA6E4}">
+                <adec:decorative xmlns:adec="http://schemas.microsoft.com/office/drawing/2017/decorative" val="1"/>
+              </a:ext>
+            </a:extLst>
+          </p:cNvPr>
+          <p:cNvSpPr>
+            <a:spLocks noGrp="1" noRot="1" noChangeAspect="1" noMove="1" noResize="1" noEditPoints="1" noAdjustHandles="1" noChangeArrowheads="1" noChangeShapeType="1" noTextEdit="1"/>
+          </p:cNvSpPr>
+          <p:nvPr>
+            <p:extLst>
+              <p:ext uri="{386F3935-93C4-4BCD-93E2-E3B085C9AB24}">
+                <p16:designElem xmlns:p16="http://schemas.microsoft.com/office/powerpoint/2015/main" val="1"/>
+              </p:ext>
+            </p:extLst>
+          </p:nvPr>
+        </p:nvSpPr>
+        <p:spPr>
+          <a:xfrm>
+            <a:off x="1" y="0"/>
+            <a:ext cx="4167271" cy="6858000"/>
+          </a:xfrm>
+          <a:custGeom>
+            <a:avLst/>
+            <a:gdLst>
+              <a:gd name="connsiteX0" fmla="*/ 0 w 4167271"/>
+              <a:gd name="connsiteY0" fmla="*/ 0 h 6858000"/>
+              <a:gd name="connsiteX1" fmla="*/ 2259550 w 4167271"/>
+              <a:gd name="connsiteY1" fmla="*/ 0 h 6858000"/>
+              <a:gd name="connsiteX2" fmla="*/ 2387803 w 4167271"/>
+              <a:gd name="connsiteY2" fmla="*/ 82222 h 6858000"/>
+              <a:gd name="connsiteX3" fmla="*/ 4167271 w 4167271"/>
+              <a:gd name="connsiteY3" fmla="*/ 3429000 h 6858000"/>
+              <a:gd name="connsiteX4" fmla="*/ 2387803 w 4167271"/>
+              <a:gd name="connsiteY4" fmla="*/ 6775779 h 6858000"/>
+              <a:gd name="connsiteX5" fmla="*/ 2259550 w 4167271"/>
+              <a:gd name="connsiteY5" fmla="*/ 6858000 h 6858000"/>
+              <a:gd name="connsiteX6" fmla="*/ 0 w 4167271"/>
+              <a:gd name="connsiteY6" fmla="*/ 6858000 h 6858000"/>
+            </a:gdLst>
+            <a:ahLst/>
+            <a:cxnLst>
+              <a:cxn ang="0">
+                <a:pos x="connsiteX0" y="connsiteY0"/>
+              </a:cxn>
+              <a:cxn ang="0">
+                <a:pos x="connsiteX1" y="connsiteY1"/>
+              </a:cxn>
+              <a:cxn ang="0">
+                <a:pos x="connsiteX2" y="connsiteY2"/>
+              </a:cxn>
+              <a:cxn ang="0">
+                <a:pos x="connsiteX3" y="connsiteY3"/>
+              </a:cxn>
+              <a:cxn ang="0">
+                <a:pos x="connsiteX4" y="connsiteY4"/>
+              </a:cxn>
+              <a:cxn ang="0">
+                <a:pos x="connsiteX5" y="connsiteY5"/>
+              </a:cxn>
+              <a:cxn ang="0">
+                <a:pos x="connsiteX6" y="connsiteY6"/>
+              </a:cxn>
+            </a:cxnLst>
+            <a:rect l="l" t="t" r="r" b="b"/>
+            <a:pathLst>
+              <a:path w="4167271" h="6858000">
+                <a:moveTo>
+                  <a:pt x="0" y="0"/>
+                </a:moveTo>
+                <a:lnTo>
+                  <a:pt x="2259550" y="0"/>
+                </a:lnTo>
+                <a:lnTo>
+                  <a:pt x="2387803" y="82222"/>
+                </a:lnTo>
+                <a:cubicBezTo>
+                  <a:pt x="3461407" y="807534"/>
+                  <a:pt x="4167271" y="2035835"/>
+                  <a:pt x="4167271" y="3429000"/>
+                </a:cubicBezTo>
+                <a:cubicBezTo>
+                  <a:pt x="4167271" y="4822165"/>
+                  <a:pt x="3461407" y="6050467"/>
+                  <a:pt x="2387803" y="6775779"/>
+                </a:cubicBezTo>
+                <a:lnTo>
+                  <a:pt x="2259550" y="6858000"/>
+                </a:lnTo>
+                <a:lnTo>
+                  <a:pt x="0" y="6858000"/>
+                </a:lnTo>
+                <a:close/>
+              </a:path>
+            </a:pathLst>
+          </a:custGeom>
+          <a:solidFill>
+            <a:schemeClr val="accent2"/>
+          </a:solidFill>
+          <a:ln>
+            <a:noFill/>
+          </a:ln>
+        </p:spPr>
+        <p:style>
+          <a:lnRef idx="2">
+            <a:schemeClr val="accent1">
+              <a:shade val="50000"/>
+            </a:schemeClr>
+          </a:lnRef>
+          <a:fillRef idx="1">
+            <a:schemeClr val="accent1"/>
+          </a:fillRef>
+          <a:effectRef idx="0">
+            <a:schemeClr val="accent1"/>
+          </a:effectRef>
+          <a:fontRef idx="minor">
+            <a:schemeClr val="lt1"/>
+          </a:fontRef>
+        </p:style>
+        <p:txBody>
+          <a:bodyPr rtlCol="0" anchor="ctr"/>
+          <a:lstStyle/>
+          <a:p>
+            <a:pPr algn="ctr"/>
+            <a:endParaRPr lang="en-US"/>
+          </a:p>
+        </p:txBody>
+      </p:sp>
       <p:sp>
         <p:nvSpPr>
           <p:cNvPr id="2" name="Title 1">
@@ -5921,13 +6260,24 @@
             <p:ph type="title"/>
           </p:nvPr>
         </p:nvSpPr>
-        <p:spPr/>
-        <p:txBody>
-          <a:bodyPr/>
-          <a:lstStyle/>
-          <a:p>
-            <a:r>
-              <a:rPr lang="en-US" dirty="0"/>
+        <p:spPr>
+          <a:xfrm>
+            <a:off x="686834" y="1153572"/>
+            <a:ext cx="3200400" cy="4461163"/>
+          </a:xfrm>
+        </p:spPr>
+        <p:txBody>
+          <a:bodyPr>
+            <a:normAutofit/>
+          </a:bodyPr>
+          <a:lstStyle/>
+          <a:p>
+            <a:r>
+              <a:rPr lang="en-US">
+                <a:solidFill>
+                  <a:srgbClr val="FFFFFF"/>
+                </a:solidFill>
+              </a:rPr>
               <a:t>Attitudes</a:t>
             </a:r>
           </a:p>
@@ -5935,6 +6285,67 @@
       </p:sp>
       <p:sp>
         <p:nvSpPr>
+          <p:cNvPr id="12" name="Arc 11">
+            <a:extLst>
+              <a:ext uri="{FF2B5EF4-FFF2-40B4-BE49-F238E27FC236}">
+                <a16:creationId xmlns:a16="http://schemas.microsoft.com/office/drawing/2014/main" id="{081E4A58-353D-44AE-B2FC-2A74E2E400F7}"/>
+              </a:ext>
+              <a:ext uri="{C183D7F6-B498-43B3-948B-1728B52AA6E4}">
+                <adec:decorative xmlns:adec="http://schemas.microsoft.com/office/drawing/2017/decorative" val="1"/>
+              </a:ext>
+            </a:extLst>
+          </p:cNvPr>
+          <p:cNvSpPr>
+            <a:spLocks noGrp="1" noRot="1" noChangeAspect="1" noMove="1" noResize="1" noEditPoints="1" noAdjustHandles="1" noChangeArrowheads="1" noChangeShapeType="1" noTextEdit="1"/>
+          </p:cNvSpPr>
+          <p:nvPr>
+            <p:extLst>
+              <p:ext uri="{386F3935-93C4-4BCD-93E2-E3B085C9AB24}">
+                <p16:designElem xmlns:p16="http://schemas.microsoft.com/office/powerpoint/2015/main" val="1"/>
+              </p:ext>
+            </p:extLst>
+          </p:nvPr>
+        </p:nvSpPr>
+        <p:spPr>
+          <a:xfrm flipV="1">
+            <a:off x="7550402" y="2455479"/>
+            <a:ext cx="4083433" cy="4083433"/>
+          </a:xfrm>
+          <a:prstGeom prst="arc">
+            <a:avLst/>
+          </a:prstGeom>
+          <a:ln w="127000" cap="rnd">
+            <a:solidFill>
+              <a:schemeClr val="accent4"/>
+            </a:solidFill>
+            <a:prstDash val="dash"/>
+          </a:ln>
+        </p:spPr>
+        <p:style>
+          <a:lnRef idx="1">
+            <a:schemeClr val="accent1"/>
+          </a:lnRef>
+          <a:fillRef idx="0">
+            <a:schemeClr val="accent1"/>
+          </a:fillRef>
+          <a:effectRef idx="0">
+            <a:schemeClr val="accent1"/>
+          </a:effectRef>
+          <a:fontRef idx="minor">
+            <a:schemeClr val="tx1"/>
+          </a:fontRef>
+        </p:style>
+        <p:txBody>
+          <a:bodyPr rtlCol="0" anchor="ctr"/>
+          <a:lstStyle/>
+          <a:p>
+            <a:pPr algn="ctr"/>
+            <a:endParaRPr lang="en-US" dirty="0"/>
+          </a:p>
+        </p:txBody>
+      </p:sp>
+      <p:sp>
+        <p:nvSpPr>
           <p:cNvPr id="3" name="Content Placeholder 2">
             <a:extLst>
               <a:ext uri="{FF2B5EF4-FFF2-40B4-BE49-F238E27FC236}">
@@ -5949,9 +6360,16 @@
             <p:ph idx="1"/>
           </p:nvPr>
         </p:nvSpPr>
-        <p:spPr/>
-        <p:txBody>
-          <a:bodyPr/>
+        <p:spPr>
+          <a:xfrm>
+            <a:off x="4447308" y="591344"/>
+            <a:ext cx="6906491" cy="5585619"/>
+          </a:xfrm>
+        </p:spPr>
+        <p:txBody>
+          <a:bodyPr anchor="ctr">
+            <a:normAutofit/>
+          </a:bodyPr>
           <a:lstStyle/>
           <a:p>
             <a:r>
@@ -5984,6 +6402,14 @@
 <file path=ppt/slides/slide12.xml><?xml version="1.0" encoding="utf-8"?>
 <p:sld xmlns:a="http://schemas.openxmlformats.org/drawingml/2006/main" xmlns:r="http://schemas.openxmlformats.org/officeDocument/2006/relationships" xmlns:p="http://schemas.openxmlformats.org/presentationml/2006/main">
   <p:cSld>
+    <p:bg>
+      <p:bgPr>
+        <a:solidFill>
+          <a:schemeClr val="bg1"/>
+        </a:solidFill>
+        <a:effectLst/>
+      </p:bgPr>
+    </p:bg>
     <p:spTree>
       <p:nvGrpSpPr>
         <p:cNvPr id="1" name=""/>
@@ -5998,6 +6424,129 @@
           <a:chExt cx="0" cy="0"/>
         </a:xfrm>
       </p:grpSpPr>
+      <p:sp useBgFill="1">
+        <p:nvSpPr>
+          <p:cNvPr id="8" name="Rectangle 7">
+            <a:extLst>
+              <a:ext uri="{FF2B5EF4-FFF2-40B4-BE49-F238E27FC236}">
+                <a16:creationId xmlns:a16="http://schemas.microsoft.com/office/drawing/2014/main" id="{C2554CA6-288E-4202-BC52-2E5A8F0C0AED}"/>
+              </a:ext>
+              <a:ext uri="{C183D7F6-B498-43B3-948B-1728B52AA6E4}">
+                <adec:decorative xmlns:adec="http://schemas.microsoft.com/office/drawing/2017/decorative" val="1"/>
+              </a:ext>
+            </a:extLst>
+          </p:cNvPr>
+          <p:cNvSpPr>
+            <a:spLocks noGrp="1" noRot="1" noChangeAspect="1" noMove="1" noResize="1" noEditPoints="1" noAdjustHandles="1" noChangeArrowheads="1" noChangeShapeType="1" noTextEdit="1"/>
+          </p:cNvSpPr>
+          <p:nvPr>
+            <p:extLst>
+              <p:ext uri="{386F3935-93C4-4BCD-93E2-E3B085C9AB24}">
+                <p16:designElem xmlns:p16="http://schemas.microsoft.com/office/powerpoint/2015/main" val="1"/>
+              </p:ext>
+            </p:extLst>
+          </p:nvPr>
+        </p:nvSpPr>
+        <p:spPr>
+          <a:xfrm>
+            <a:off x="3048" y="0"/>
+            <a:ext cx="12188952" cy="6858000"/>
+          </a:xfrm>
+          <a:prstGeom prst="rect">
+            <a:avLst/>
+          </a:prstGeom>
+          <a:ln>
+            <a:noFill/>
+          </a:ln>
+        </p:spPr>
+        <p:style>
+          <a:lnRef idx="2">
+            <a:schemeClr val="accent1">
+              <a:shade val="50000"/>
+            </a:schemeClr>
+          </a:lnRef>
+          <a:fillRef idx="1">
+            <a:schemeClr val="accent1"/>
+          </a:fillRef>
+          <a:effectRef idx="0">
+            <a:schemeClr val="accent1"/>
+          </a:effectRef>
+          <a:fontRef idx="minor">
+            <a:schemeClr val="lt1"/>
+          </a:fontRef>
+        </p:style>
+        <p:txBody>
+          <a:bodyPr rtlCol="0" anchor="ctr"/>
+          <a:lstStyle/>
+          <a:p>
+            <a:pPr algn="ctr"/>
+            <a:endParaRPr lang="en-US"/>
+          </a:p>
+        </p:txBody>
+      </p:sp>
+      <p:sp>
+        <p:nvSpPr>
+          <p:cNvPr id="10" name="Oval 9">
+            <a:extLst>
+              <a:ext uri="{FF2B5EF4-FFF2-40B4-BE49-F238E27FC236}">
+                <a16:creationId xmlns:a16="http://schemas.microsoft.com/office/drawing/2014/main" id="{B10BB131-AC8E-4A8E-A5D1-36260F720C3B}"/>
+              </a:ext>
+              <a:ext uri="{C183D7F6-B498-43B3-948B-1728B52AA6E4}">
+                <adec:decorative xmlns:adec="http://schemas.microsoft.com/office/drawing/2017/decorative" val="1"/>
+              </a:ext>
+            </a:extLst>
+          </p:cNvPr>
+          <p:cNvSpPr>
+            <a:spLocks noGrp="1" noRot="1" noChangeAspect="1" noMove="1" noResize="1" noEditPoints="1" noAdjustHandles="1" noChangeArrowheads="1" noChangeShapeType="1" noTextEdit="1"/>
+          </p:cNvSpPr>
+          <p:nvPr>
+            <p:extLst>
+              <p:ext uri="{386F3935-93C4-4BCD-93E2-E3B085C9AB24}">
+                <p16:designElem xmlns:p16="http://schemas.microsoft.com/office/powerpoint/2015/main" val="1"/>
+              </p:ext>
+            </p:extLst>
+          </p:nvPr>
+        </p:nvSpPr>
+        <p:spPr>
+          <a:xfrm>
+            <a:off x="489189" y="1119031"/>
+            <a:ext cx="4619938" cy="4619938"/>
+          </a:xfrm>
+          <a:prstGeom prst="ellipse">
+            <a:avLst/>
+          </a:prstGeom>
+          <a:solidFill>
+            <a:schemeClr val="accent2"/>
+          </a:solidFill>
+          <a:ln>
+            <a:noFill/>
+          </a:ln>
+        </p:spPr>
+        <p:style>
+          <a:lnRef idx="2">
+            <a:schemeClr val="accent1">
+              <a:shade val="50000"/>
+            </a:schemeClr>
+          </a:lnRef>
+          <a:fillRef idx="1">
+            <a:schemeClr val="accent1"/>
+          </a:fillRef>
+          <a:effectRef idx="0">
+            <a:schemeClr val="accent1"/>
+          </a:effectRef>
+          <a:fontRef idx="minor">
+            <a:schemeClr val="lt1"/>
+          </a:fontRef>
+        </p:style>
+        <p:txBody>
+          <a:bodyPr rtlCol="0" anchor="ctr"/>
+          <a:lstStyle/>
+          <a:p>
+            <a:pPr algn="ctr"/>
+            <a:endParaRPr lang="en-US"/>
+          </a:p>
+        </p:txBody>
+      </p:sp>
       <p:sp>
         <p:nvSpPr>
           <p:cNvPr id="2" name="Title 1">
@@ -6014,13 +6563,24 @@
             <p:ph type="title"/>
           </p:nvPr>
         </p:nvSpPr>
-        <p:spPr/>
-        <p:txBody>
-          <a:bodyPr/>
-          <a:lstStyle/>
-          <a:p>
-            <a:r>
-              <a:rPr lang="en-US" dirty="0"/>
+        <p:spPr>
+          <a:xfrm>
+            <a:off x="1171074" y="1396686"/>
+            <a:ext cx="3240506" cy="4064628"/>
+          </a:xfrm>
+        </p:spPr>
+        <p:txBody>
+          <a:bodyPr>
+            <a:normAutofit/>
+          </a:bodyPr>
+          <a:lstStyle/>
+          <a:p>
+            <a:r>
+              <a:rPr lang="en-US">
+                <a:solidFill>
+                  <a:srgbClr val="FFFFFF"/>
+                </a:solidFill>
+              </a:rPr>
               <a:t>Awareness/ Knowledge</a:t>
             </a:r>
           </a:p>
@@ -6028,6 +6588,192 @@
       </p:sp>
       <p:sp>
         <p:nvSpPr>
+          <p:cNvPr id="12" name="Arc 11">
+            <a:extLst>
+              <a:ext uri="{FF2B5EF4-FFF2-40B4-BE49-F238E27FC236}">
+                <a16:creationId xmlns:a16="http://schemas.microsoft.com/office/drawing/2014/main" id="{5B7778FC-632E-4DCA-A7CB-0D7731CCF970}"/>
+              </a:ext>
+              <a:ext uri="{C183D7F6-B498-43B3-948B-1728B52AA6E4}">
+                <adec:decorative xmlns:adec="http://schemas.microsoft.com/office/drawing/2017/decorative" val="1"/>
+              </a:ext>
+            </a:extLst>
+          </p:cNvPr>
+          <p:cNvSpPr>
+            <a:spLocks noGrp="1" noRot="1" noChangeAspect="1" noMove="1" noResize="1" noEditPoints="1" noAdjustHandles="1" noChangeArrowheads="1" noChangeShapeType="1" noTextEdit="1"/>
+          </p:cNvSpPr>
+          <p:nvPr>
+            <p:extLst>
+              <p:ext uri="{386F3935-93C4-4BCD-93E2-E3B085C9AB24}">
+                <p16:designElem xmlns:p16="http://schemas.microsoft.com/office/powerpoint/2015/main" val="1"/>
+              </p:ext>
+            </p:extLst>
+          </p:nvPr>
+        </p:nvSpPr>
+        <p:spPr>
+          <a:xfrm rot="19809111">
+            <a:off x="8683720" y="941148"/>
+            <a:ext cx="2987899" cy="2987899"/>
+          </a:xfrm>
+          <a:prstGeom prst="arc">
+            <a:avLst>
+              <a:gd name="adj1" fmla="val 15817365"/>
+              <a:gd name="adj2" fmla="val 1781380"/>
+            </a:avLst>
+          </a:prstGeom>
+          <a:ln w="127000" cap="rnd">
+            <a:solidFill>
+              <a:schemeClr val="accent4"/>
+            </a:solidFill>
+            <a:prstDash val="dash"/>
+            <a:miter lim="800000"/>
+          </a:ln>
+        </p:spPr>
+        <p:style>
+          <a:lnRef idx="1">
+            <a:schemeClr val="accent1"/>
+          </a:lnRef>
+          <a:fillRef idx="0">
+            <a:schemeClr val="accent1"/>
+          </a:fillRef>
+          <a:effectRef idx="0">
+            <a:schemeClr val="accent1"/>
+          </a:effectRef>
+          <a:fontRef idx="minor">
+            <a:schemeClr val="tx1"/>
+          </a:fontRef>
+        </p:style>
+        <p:txBody>
+          <a:bodyPr rtlCol="0" anchor="ctr"/>
+          <a:lstStyle/>
+          <a:p>
+            <a:pPr marL="0" marR="0" lvl="0" indent="0" algn="ctr" defTabSz="914400" rtl="0" eaLnBrk="1" fontAlgn="auto" latinLnBrk="0" hangingPunct="1">
+              <a:lnSpc>
+                <a:spcPct val="100000"/>
+              </a:lnSpc>
+              <a:spcBef>
+                <a:spcPts val="0"/>
+              </a:spcBef>
+              <a:spcAft>
+                <a:spcPts val="0"/>
+              </a:spcAft>
+              <a:buClrTx/>
+              <a:buSzTx/>
+              <a:buFontTx/>
+              <a:buNone/>
+              <a:tabLst/>
+              <a:defRPr/>
+            </a:pPr>
+            <a:endParaRPr kumimoji="0" lang="en-US" sz="1800" b="0" i="0" u="none" strike="noStrike" kern="1200" cap="none" spc="0" normalizeH="0" baseline="0" noProof="0">
+              <a:ln>
+                <a:noFill/>
+              </a:ln>
+              <a:solidFill>
+                <a:srgbClr val="000000"/>
+              </a:solidFill>
+              <a:effectLst/>
+              <a:uLnTx/>
+              <a:uFillTx/>
+              <a:latin typeface="Calibri" panose="020F0502020204030204"/>
+              <a:ea typeface="+mn-ea"/>
+              <a:cs typeface="+mn-cs"/>
+            </a:endParaRPr>
+          </a:p>
+        </p:txBody>
+      </p:sp>
+      <p:sp>
+        <p:nvSpPr>
+          <p:cNvPr id="14" name="Oval 13">
+            <a:extLst>
+              <a:ext uri="{FF2B5EF4-FFF2-40B4-BE49-F238E27FC236}">
+                <a16:creationId xmlns:a16="http://schemas.microsoft.com/office/drawing/2014/main" id="{FA23A907-97FB-4A8F-880A-DD77401C4296}"/>
+              </a:ext>
+              <a:ext uri="{C183D7F6-B498-43B3-948B-1728B52AA6E4}">
+                <adec:decorative xmlns:adec="http://schemas.microsoft.com/office/drawing/2017/decorative" val="1"/>
+              </a:ext>
+            </a:extLst>
+          </p:cNvPr>
+          <p:cNvSpPr>
+            <a:spLocks noGrp="1" noRot="1" noChangeAspect="1" noMove="1" noResize="1" noEditPoints="1" noAdjustHandles="1" noChangeArrowheads="1" noChangeShapeType="1" noTextEdit="1"/>
+          </p:cNvSpPr>
+          <p:nvPr>
+            <p:extLst>
+              <p:ext uri="{386F3935-93C4-4BCD-93E2-E3B085C9AB24}">
+                <p16:designElem xmlns:p16="http://schemas.microsoft.com/office/powerpoint/2015/main" val="1"/>
+              </p:ext>
+            </p:extLst>
+          </p:nvPr>
+        </p:nvSpPr>
+        <p:spPr>
+          <a:xfrm>
+            <a:off x="910048" y="4780992"/>
+            <a:ext cx="546100" cy="546100"/>
+          </a:xfrm>
+          <a:prstGeom prst="ellipse">
+            <a:avLst/>
+          </a:prstGeom>
+          <a:solidFill>
+            <a:schemeClr val="accent5"/>
+          </a:solidFill>
+          <a:ln>
+            <a:noFill/>
+          </a:ln>
+        </p:spPr>
+        <p:style>
+          <a:lnRef idx="2">
+            <a:schemeClr val="accent1">
+              <a:shade val="50000"/>
+            </a:schemeClr>
+          </a:lnRef>
+          <a:fillRef idx="1">
+            <a:schemeClr val="accent1"/>
+          </a:fillRef>
+          <a:effectRef idx="0">
+            <a:schemeClr val="accent1"/>
+          </a:effectRef>
+          <a:fontRef idx="minor">
+            <a:schemeClr val="lt1"/>
+          </a:fontRef>
+        </p:style>
+        <p:txBody>
+          <a:bodyPr rtlCol="0" anchor="ctr"/>
+          <a:lstStyle/>
+          <a:p>
+            <a:pPr marL="0" marR="0" lvl="0" indent="0" algn="ctr" defTabSz="914400" rtl="0" eaLnBrk="1" fontAlgn="auto" latinLnBrk="0" hangingPunct="1">
+              <a:lnSpc>
+                <a:spcPct val="100000"/>
+              </a:lnSpc>
+              <a:spcBef>
+                <a:spcPts val="0"/>
+              </a:spcBef>
+              <a:spcAft>
+                <a:spcPts val="0"/>
+              </a:spcAft>
+              <a:buClrTx/>
+              <a:buSzTx/>
+              <a:buFontTx/>
+              <a:buNone/>
+              <a:tabLst/>
+              <a:defRPr/>
+            </a:pPr>
+            <a:endParaRPr kumimoji="0" lang="en-US" sz="1800" b="0" i="0" u="none" strike="noStrike" kern="1200" cap="none" spc="0" normalizeH="0" baseline="0" noProof="0">
+              <a:ln>
+                <a:noFill/>
+              </a:ln>
+              <a:solidFill>
+                <a:srgbClr val="FFFFFF"/>
+              </a:solidFill>
+              <a:effectLst/>
+              <a:uLnTx/>
+              <a:uFillTx/>
+              <a:latin typeface="Calibri" panose="020F0502020204030204"/>
+              <a:ea typeface="+mn-ea"/>
+              <a:cs typeface="+mn-cs"/>
+            </a:endParaRPr>
+          </a:p>
+        </p:txBody>
+      </p:sp>
+      <p:sp>
+        <p:nvSpPr>
           <p:cNvPr id="3" name="Content Placeholder 2">
             <a:extLst>
               <a:ext uri="{FF2B5EF4-FFF2-40B4-BE49-F238E27FC236}">
@@ -6042,9 +6788,16 @@
             <p:ph idx="1"/>
           </p:nvPr>
         </p:nvSpPr>
-        <p:spPr/>
-        <p:txBody>
-          <a:bodyPr/>
+        <p:spPr>
+          <a:xfrm>
+            <a:off x="5370153" y="1526033"/>
+            <a:ext cx="5536397" cy="3935281"/>
+          </a:xfrm>
+        </p:spPr>
+        <p:txBody>
+          <a:bodyPr>
+            <a:normAutofit/>
+          </a:bodyPr>
           <a:lstStyle/>
           <a:p>
             <a:r>
@@ -6077,6 +6830,14 @@
 <file path=ppt/slides/slide13.xml><?xml version="1.0" encoding="utf-8"?>
 <p:sld xmlns:a="http://schemas.openxmlformats.org/drawingml/2006/main" xmlns:r="http://schemas.openxmlformats.org/officeDocument/2006/relationships" xmlns:p="http://schemas.openxmlformats.org/presentationml/2006/main">
   <p:cSld>
+    <p:bg>
+      <p:bgPr>
+        <a:solidFill>
+          <a:schemeClr val="bg1"/>
+        </a:solidFill>
+        <a:effectLst/>
+      </p:bgPr>
+    </p:bg>
     <p:spTree>
       <p:nvGrpSpPr>
         <p:cNvPr id="1" name=""/>
@@ -6091,6 +6852,66 @@
           <a:chExt cx="0" cy="0"/>
         </a:xfrm>
       </p:grpSpPr>
+      <p:sp useBgFill="1">
+        <p:nvSpPr>
+          <p:cNvPr id="9" name="Rectangle 8">
+            <a:extLst>
+              <a:ext uri="{FF2B5EF4-FFF2-40B4-BE49-F238E27FC236}">
+                <a16:creationId xmlns:a16="http://schemas.microsoft.com/office/drawing/2014/main" id="{743AA782-23D1-4521-8CAD-47662984AA08}"/>
+              </a:ext>
+              <a:ext uri="{C183D7F6-B498-43B3-948B-1728B52AA6E4}">
+                <adec:decorative xmlns:adec="http://schemas.microsoft.com/office/drawing/2017/decorative" val="1"/>
+              </a:ext>
+            </a:extLst>
+          </p:cNvPr>
+          <p:cNvSpPr>
+            <a:spLocks noGrp="1" noRot="1" noChangeAspect="1" noMove="1" noResize="1" noEditPoints="1" noAdjustHandles="1" noChangeArrowheads="1" noChangeShapeType="1" noTextEdit="1"/>
+          </p:cNvSpPr>
+          <p:nvPr>
+            <p:extLst>
+              <p:ext uri="{386F3935-93C4-4BCD-93E2-E3B085C9AB24}">
+                <p16:designElem xmlns:p16="http://schemas.microsoft.com/office/powerpoint/2015/main" val="1"/>
+              </p:ext>
+            </p:extLst>
+          </p:nvPr>
+        </p:nvSpPr>
+        <p:spPr>
+          <a:xfrm>
+            <a:off x="0" y="0"/>
+            <a:ext cx="12192000" cy="6858000"/>
+          </a:xfrm>
+          <a:prstGeom prst="rect">
+            <a:avLst/>
+          </a:prstGeom>
+          <a:ln>
+            <a:noFill/>
+          </a:ln>
+        </p:spPr>
+        <p:style>
+          <a:lnRef idx="2">
+            <a:schemeClr val="accent1">
+              <a:shade val="50000"/>
+            </a:schemeClr>
+          </a:lnRef>
+          <a:fillRef idx="1">
+            <a:schemeClr val="accent1"/>
+          </a:fillRef>
+          <a:effectRef idx="0">
+            <a:schemeClr val="accent1"/>
+          </a:effectRef>
+          <a:fontRef idx="minor">
+            <a:schemeClr val="lt1"/>
+          </a:fontRef>
+        </p:style>
+        <p:txBody>
+          <a:bodyPr rtlCol="0" anchor="ctr"/>
+          <a:lstStyle/>
+          <a:p>
+            <a:pPr algn="ctr"/>
+            <a:endParaRPr lang="en-US"/>
+          </a:p>
+        </p:txBody>
+      </p:sp>
       <p:sp>
         <p:nvSpPr>
           <p:cNvPr id="2" name="Title 1">
@@ -6107,16 +6928,295 @@
             <p:ph type="title"/>
           </p:nvPr>
         </p:nvSpPr>
-        <p:spPr/>
-        <p:txBody>
-          <a:bodyPr/>
-          <a:lstStyle/>
-          <a:p>
-            <a:r>
-              <a:rPr lang="en-US"/>
+        <p:spPr>
+          <a:xfrm>
+            <a:off x="630936" y="640080"/>
+            <a:ext cx="4818888" cy="1481328"/>
+          </a:xfrm>
+        </p:spPr>
+        <p:txBody>
+          <a:bodyPr anchor="b">
+            <a:normAutofit/>
+          </a:bodyPr>
+          <a:lstStyle/>
+          <a:p>
+            <a:r>
+              <a:rPr lang="en-US" sz="5000"/>
               <a:t>Measuring Awareness</a:t>
             </a:r>
-            <a:endParaRPr lang="en-US" dirty="0"/>
+          </a:p>
+        </p:txBody>
+      </p:sp>
+      <p:sp>
+        <p:nvSpPr>
+          <p:cNvPr id="11" name="sketch line">
+            <a:extLst>
+              <a:ext uri="{FF2B5EF4-FFF2-40B4-BE49-F238E27FC236}">
+                <a16:creationId xmlns:a16="http://schemas.microsoft.com/office/drawing/2014/main" id="{71877DBC-BB60-40F0-AC93-2ACDBAAE60CE}"/>
+              </a:ext>
+              <a:ext uri="{C183D7F6-B498-43B3-948B-1728B52AA6E4}">
+                <adec:decorative xmlns:adec="http://schemas.microsoft.com/office/drawing/2017/decorative" val="1"/>
+              </a:ext>
+            </a:extLst>
+          </p:cNvPr>
+          <p:cNvSpPr>
+            <a:spLocks noGrp="1" noRot="1" noChangeAspect="1" noMove="1" noResize="1" noEditPoints="1" noAdjustHandles="1" noChangeArrowheads="1" noChangeShapeType="1" noTextEdit="1"/>
+          </p:cNvSpPr>
+          <p:nvPr>
+            <p:extLst>
+              <p:ext uri="{386F3935-93C4-4BCD-93E2-E3B085C9AB24}">
+                <p16:designElem xmlns:p16="http://schemas.microsoft.com/office/powerpoint/2015/main" val="1"/>
+              </p:ext>
+            </p:extLst>
+          </p:nvPr>
+        </p:nvSpPr>
+        <p:spPr>
+          <a:xfrm>
+            <a:off x="643278" y="2372868"/>
+            <a:ext cx="3255095" cy="18288"/>
+          </a:xfrm>
+          <a:custGeom>
+            <a:avLst/>
+            <a:gdLst>
+              <a:gd name="connsiteX0" fmla="*/ 0 w 3255095"/>
+              <a:gd name="connsiteY0" fmla="*/ 0 h 18288"/>
+              <a:gd name="connsiteX1" fmla="*/ 618468 w 3255095"/>
+              <a:gd name="connsiteY1" fmla="*/ 0 h 18288"/>
+              <a:gd name="connsiteX2" fmla="*/ 1269487 w 3255095"/>
+              <a:gd name="connsiteY2" fmla="*/ 0 h 18288"/>
+              <a:gd name="connsiteX3" fmla="*/ 1953057 w 3255095"/>
+              <a:gd name="connsiteY3" fmla="*/ 0 h 18288"/>
+              <a:gd name="connsiteX4" fmla="*/ 2636627 w 3255095"/>
+              <a:gd name="connsiteY4" fmla="*/ 0 h 18288"/>
+              <a:gd name="connsiteX5" fmla="*/ 3255095 w 3255095"/>
+              <a:gd name="connsiteY5" fmla="*/ 0 h 18288"/>
+              <a:gd name="connsiteX6" fmla="*/ 3255095 w 3255095"/>
+              <a:gd name="connsiteY6" fmla="*/ 18288 h 18288"/>
+              <a:gd name="connsiteX7" fmla="*/ 2538974 w 3255095"/>
+              <a:gd name="connsiteY7" fmla="*/ 18288 h 18288"/>
+              <a:gd name="connsiteX8" fmla="*/ 1822853 w 3255095"/>
+              <a:gd name="connsiteY8" fmla="*/ 18288 h 18288"/>
+              <a:gd name="connsiteX9" fmla="*/ 1171834 w 3255095"/>
+              <a:gd name="connsiteY9" fmla="*/ 18288 h 18288"/>
+              <a:gd name="connsiteX10" fmla="*/ 0 w 3255095"/>
+              <a:gd name="connsiteY10" fmla="*/ 18288 h 18288"/>
+              <a:gd name="connsiteX11" fmla="*/ 0 w 3255095"/>
+              <a:gd name="connsiteY11" fmla="*/ 0 h 18288"/>
+            </a:gdLst>
+            <a:ahLst/>
+            <a:cxnLst>
+              <a:cxn ang="0">
+                <a:pos x="connsiteX0" y="connsiteY0"/>
+              </a:cxn>
+              <a:cxn ang="0">
+                <a:pos x="connsiteX1" y="connsiteY1"/>
+              </a:cxn>
+              <a:cxn ang="0">
+                <a:pos x="connsiteX2" y="connsiteY2"/>
+              </a:cxn>
+              <a:cxn ang="0">
+                <a:pos x="connsiteX3" y="connsiteY3"/>
+              </a:cxn>
+              <a:cxn ang="0">
+                <a:pos x="connsiteX4" y="connsiteY4"/>
+              </a:cxn>
+              <a:cxn ang="0">
+                <a:pos x="connsiteX5" y="connsiteY5"/>
+              </a:cxn>
+              <a:cxn ang="0">
+                <a:pos x="connsiteX6" y="connsiteY6"/>
+              </a:cxn>
+              <a:cxn ang="0">
+                <a:pos x="connsiteX7" y="connsiteY7"/>
+              </a:cxn>
+              <a:cxn ang="0">
+                <a:pos x="connsiteX8" y="connsiteY8"/>
+              </a:cxn>
+              <a:cxn ang="0">
+                <a:pos x="connsiteX9" y="connsiteY9"/>
+              </a:cxn>
+              <a:cxn ang="0">
+                <a:pos x="connsiteX10" y="connsiteY10"/>
+              </a:cxn>
+              <a:cxn ang="0">
+                <a:pos x="connsiteX11" y="connsiteY11"/>
+              </a:cxn>
+            </a:cxnLst>
+            <a:rect l="l" t="t" r="r" b="b"/>
+            <a:pathLst>
+              <a:path w="3255095" h="18288" fill="none" extrusionOk="0">
+                <a:moveTo>
+                  <a:pt x="0" y="0"/>
+                </a:moveTo>
+                <a:cubicBezTo>
+                  <a:pt x="240201" y="-22123"/>
+                  <a:pt x="462021" y="-19623"/>
+                  <a:pt x="618468" y="0"/>
+                </a:cubicBezTo>
+                <a:cubicBezTo>
+                  <a:pt x="774915" y="19623"/>
+                  <a:pt x="974734" y="2035"/>
+                  <a:pt x="1269487" y="0"/>
+                </a:cubicBezTo>
+                <a:cubicBezTo>
+                  <a:pt x="1564240" y="-2035"/>
+                  <a:pt x="1733579" y="10639"/>
+                  <a:pt x="1953057" y="0"/>
+                </a:cubicBezTo>
+                <a:cubicBezTo>
+                  <a:pt x="2172535" y="-10639"/>
+                  <a:pt x="2453962" y="14018"/>
+                  <a:pt x="2636627" y="0"/>
+                </a:cubicBezTo>
+                <a:cubicBezTo>
+                  <a:pt x="2819292" y="-14018"/>
+                  <a:pt x="3121375" y="5399"/>
+                  <a:pt x="3255095" y="0"/>
+                </a:cubicBezTo>
+                <a:cubicBezTo>
+                  <a:pt x="3254386" y="8157"/>
+                  <a:pt x="3254682" y="12125"/>
+                  <a:pt x="3255095" y="18288"/>
+                </a:cubicBezTo>
+                <a:cubicBezTo>
+                  <a:pt x="3088545" y="23203"/>
+                  <a:pt x="2687475" y="7419"/>
+                  <a:pt x="2538974" y="18288"/>
+                </a:cubicBezTo>
+                <a:cubicBezTo>
+                  <a:pt x="2390473" y="29157"/>
+                  <a:pt x="2137381" y="-8959"/>
+                  <a:pt x="1822853" y="18288"/>
+                </a:cubicBezTo>
+                <a:cubicBezTo>
+                  <a:pt x="1508325" y="45535"/>
+                  <a:pt x="1466437" y="20385"/>
+                  <a:pt x="1171834" y="18288"/>
+                </a:cubicBezTo>
+                <a:cubicBezTo>
+                  <a:pt x="877231" y="16191"/>
+                  <a:pt x="561097" y="37643"/>
+                  <a:pt x="0" y="18288"/>
+                </a:cubicBezTo>
+                <a:cubicBezTo>
+                  <a:pt x="-46" y="12483"/>
+                  <a:pt x="-203" y="6491"/>
+                  <a:pt x="0" y="0"/>
+                </a:cubicBezTo>
+                <a:close/>
+              </a:path>
+              <a:path w="3255095" h="18288" stroke="0" extrusionOk="0">
+                <a:moveTo>
+                  <a:pt x="0" y="0"/>
+                </a:moveTo>
+                <a:cubicBezTo>
+                  <a:pt x="291965" y="19429"/>
+                  <a:pt x="363155" y="8568"/>
+                  <a:pt x="618468" y="0"/>
+                </a:cubicBezTo>
+                <a:cubicBezTo>
+                  <a:pt x="873781" y="-8568"/>
+                  <a:pt x="904459" y="-19505"/>
+                  <a:pt x="1171834" y="0"/>
+                </a:cubicBezTo>
+                <a:cubicBezTo>
+                  <a:pt x="1439209" y="19505"/>
+                  <a:pt x="1744369" y="9790"/>
+                  <a:pt x="1887955" y="0"/>
+                </a:cubicBezTo>
+                <a:cubicBezTo>
+                  <a:pt x="2031541" y="-9790"/>
+                  <a:pt x="2346378" y="21240"/>
+                  <a:pt x="2506423" y="0"/>
+                </a:cubicBezTo>
+                <a:cubicBezTo>
+                  <a:pt x="2666468" y="-21240"/>
+                  <a:pt x="2990257" y="30414"/>
+                  <a:pt x="3255095" y="0"/>
+                </a:cubicBezTo>
+                <a:cubicBezTo>
+                  <a:pt x="3254831" y="4493"/>
+                  <a:pt x="3255479" y="9472"/>
+                  <a:pt x="3255095" y="18288"/>
+                </a:cubicBezTo>
+                <a:cubicBezTo>
+                  <a:pt x="3120743" y="16690"/>
+                  <a:pt x="2759628" y="42462"/>
+                  <a:pt x="2604076" y="18288"/>
+                </a:cubicBezTo>
+                <a:cubicBezTo>
+                  <a:pt x="2448524" y="-5886"/>
+                  <a:pt x="2184336" y="19599"/>
+                  <a:pt x="1887955" y="18288"/>
+                </a:cubicBezTo>
+                <a:cubicBezTo>
+                  <a:pt x="1591574" y="16977"/>
+                  <a:pt x="1548845" y="6870"/>
+                  <a:pt x="1334589" y="18288"/>
+                </a:cubicBezTo>
+                <a:cubicBezTo>
+                  <a:pt x="1120333" y="29706"/>
+                  <a:pt x="996014" y="9662"/>
+                  <a:pt x="683570" y="18288"/>
+                </a:cubicBezTo>
+                <a:cubicBezTo>
+                  <a:pt x="371126" y="26914"/>
+                  <a:pt x="198687" y="16167"/>
+                  <a:pt x="0" y="18288"/>
+                </a:cubicBezTo>
+                <a:cubicBezTo>
+                  <a:pt x="843" y="9577"/>
+                  <a:pt x="371" y="6900"/>
+                  <a:pt x="0" y="0"/>
+                </a:cubicBezTo>
+                <a:close/>
+              </a:path>
+            </a:pathLst>
+          </a:custGeom>
+          <a:solidFill>
+            <a:schemeClr val="accent2"/>
+          </a:solidFill>
+          <a:ln w="38100" cap="rnd">
+            <a:solidFill>
+              <a:schemeClr val="accent2"/>
+            </a:solidFill>
+            <a:round/>
+            <a:extLst>
+              <a:ext uri="{C807C97D-BFC1-408E-A445-0C87EB9F89A2}">
+                <ask:lineSketchStyleProps xmlns:ask="http://schemas.microsoft.com/office/drawing/2018/sketchyshapes" sd="1219033472">
+                  <a:prstGeom prst="rect">
+                    <a:avLst/>
+                  </a:prstGeom>
+                  <ask:type>
+                    <ask:lineSketchFreehand/>
+                  </ask:type>
+                </ask:lineSketchStyleProps>
+              </a:ext>
+            </a:extLst>
+          </a:ln>
+        </p:spPr>
+        <p:style>
+          <a:lnRef idx="2">
+            <a:schemeClr val="accent1">
+              <a:shade val="50000"/>
+            </a:schemeClr>
+          </a:lnRef>
+          <a:fillRef idx="1">
+            <a:schemeClr val="accent1"/>
+          </a:fillRef>
+          <a:effectRef idx="0">
+            <a:schemeClr val="accent1"/>
+          </a:effectRef>
+          <a:fontRef idx="minor">
+            <a:schemeClr val="lt1"/>
+          </a:fontRef>
+        </p:style>
+        <p:txBody>
+          <a:bodyPr rtlCol="0" anchor="ctr"/>
+          <a:lstStyle/>
+          <a:p>
+            <a:pPr algn="ctr"/>
+            <a:endParaRPr lang="en-US"/>
           </a:p>
         </p:txBody>
       </p:sp>
@@ -6136,22 +7236,28 @@
             <p:ph idx="1"/>
           </p:nvPr>
         </p:nvSpPr>
-        <p:spPr/>
-        <p:txBody>
-          <a:bodyPr/>
-          <a:lstStyle/>
-          <a:p>
-            <a:r>
-              <a:rPr lang="en-US"/>
+        <p:spPr>
+          <a:xfrm>
+            <a:off x="630936" y="2660904"/>
+            <a:ext cx="4818888" cy="3547872"/>
+          </a:xfrm>
+        </p:spPr>
+        <p:txBody>
+          <a:bodyPr anchor="t">
+            <a:normAutofit/>
+          </a:bodyPr>
+          <a:lstStyle/>
+          <a:p>
+            <a:r>
+              <a:rPr lang="en-US" sz="2200"/>
               <a:t>Unaided Recall: For what products and brands do you remember seeing ads? </a:t>
             </a:r>
           </a:p>
           <a:p>
             <a:r>
-              <a:rPr lang="en-US"/>
+              <a:rPr lang="en-US" sz="2200"/>
               <a:t>Aided Recall: Do you remember seeing ads for personal computers?</a:t>
             </a:r>
-            <a:endParaRPr lang="en-US" dirty="0"/>
           </a:p>
         </p:txBody>
       </p:sp>
@@ -6177,26 +7283,19 @@
               </a:ext>
             </a:extLst>
           </a:blip>
-          <a:srcRect/>
           <a:stretch>
             <a:fillRect/>
           </a:stretch>
         </p:blipFill>
         <p:spPr bwMode="auto">
           <a:xfrm>
-            <a:off x="4648200" y="1981200"/>
-            <a:ext cx="2895600" cy="2895600"/>
+            <a:off x="6203281" y="640080"/>
+            <a:ext cx="5250502" cy="5577840"/>
           </a:xfrm>
           <a:prstGeom prst="rect">
             <a:avLst/>
           </a:prstGeom>
           <a:noFill/>
-          <a:ln w="9525">
-            <a:noFill/>
-            <a:miter lim="800000"/>
-            <a:headEnd/>
-            <a:tailEnd/>
-          </a:ln>
           <a:extLst>
             <a:ext uri="{909E8E84-426E-40DD-AFC4-6F175D3DCCD1}">
               <a14:hiddenFill xmlns:a14="http://schemas.microsoft.com/office/drawing/2010/main">
@@ -6260,9 +7359,10 @@
           <a:lstStyle/>
           <a:p>
             <a:r>
-              <a:rPr lang="en-US" dirty="0"/>
+              <a:rPr lang="en-US"/>
               <a:t>Intentions</a:t>
             </a:r>
+            <a:endParaRPr lang="en-US" dirty="0"/>
           </a:p>
         </p:txBody>
       </p:sp>
@@ -8243,6 +9343,14 @@
 <file path=ppt/slides/slide3.xml><?xml version="1.0" encoding="utf-8"?>
 <p:sld xmlns:a="http://schemas.openxmlformats.org/drawingml/2006/main" xmlns:r="http://schemas.openxmlformats.org/officeDocument/2006/relationships" xmlns:p="http://schemas.openxmlformats.org/presentationml/2006/main">
   <p:cSld>
+    <p:bg>
+      <p:bgPr>
+        <a:solidFill>
+          <a:schemeClr val="bg1"/>
+        </a:solidFill>
+        <a:effectLst/>
+      </p:bgPr>
+    </p:bg>
     <p:spTree>
       <p:nvGrpSpPr>
         <p:cNvPr id="1" name=""/>
@@ -8273,13 +9381,20 @@
             <p:ph type="title"/>
           </p:nvPr>
         </p:nvSpPr>
-        <p:spPr/>
-        <p:txBody>
-          <a:bodyPr/>
-          <a:lstStyle/>
-          <a:p>
-            <a:r>
-              <a:rPr lang="en-US" dirty="0"/>
+        <p:spPr>
+          <a:xfrm>
+            <a:off x="4965430" y="629268"/>
+            <a:ext cx="6586491" cy="1286160"/>
+          </a:xfrm>
+        </p:spPr>
+        <p:txBody>
+          <a:bodyPr anchor="b">
+            <a:normAutofit/>
+          </a:bodyPr>
+          <a:lstStyle/>
+          <a:p>
+            <a:r>
+              <a:rPr lang="en-US" sz="3400"/>
               <a:t>Chapter 9: Collecting Descriptive Primary Data – Learning Objectives </a:t>
             </a:r>
           </a:p>
@@ -8301,10 +9416,15 @@
             <p:ph idx="1"/>
           </p:nvPr>
         </p:nvSpPr>
-        <p:spPr/>
+        <p:spPr>
+          <a:xfrm>
+            <a:off x="4965431" y="2438400"/>
+            <a:ext cx="6586489" cy="3785419"/>
+          </a:xfrm>
+        </p:spPr>
         <p:txBody>
           <a:bodyPr>
-            <a:normAutofit lnSpcReduction="10000"/>
+            <a:normAutofit/>
           </a:bodyPr>
           <a:lstStyle/>
           <a:p>
@@ -8313,7 +9433,7 @@
               <a:buAutoNum type="arabicPeriod"/>
             </a:pPr>
             <a:r>
-              <a:rPr lang="en-US" dirty="0"/>
+              <a:rPr lang="en-US" sz="1900"/>
               <a:t>Cite three major purposes of descriptive research </a:t>
             </a:r>
           </a:p>
@@ -8323,7 +9443,7 @@
               <a:buAutoNum type="arabicPeriod"/>
             </a:pPr>
             <a:r>
-              <a:rPr lang="en-US" dirty="0"/>
+              <a:rPr lang="en-US" sz="1900"/>
               <a:t>List the six specifications of a descriptive study</a:t>
             </a:r>
           </a:p>
@@ -8333,7 +9453,7 @@
               <a:buAutoNum type="arabicPeriod"/>
             </a:pPr>
             <a:r>
-              <a:rPr lang="en-US" dirty="0"/>
+              <a:rPr lang="en-US" sz="1900"/>
               <a:t>Discuss the difference between cross-sectional and longitudinal designs </a:t>
             </a:r>
           </a:p>
@@ -8343,7 +9463,7 @@
               <a:buAutoNum type="arabicPeriod"/>
             </a:pPr>
             <a:r>
-              <a:rPr lang="en-US" dirty="0"/>
+              <a:rPr lang="en-US" sz="1900"/>
               <a:t>Explain what is meant by a panel in marketing research, and explain the difference between a continuous</a:t>
             </a:r>
           </a:p>
@@ -8353,7 +9473,7 @@
               <a:buAutoNum type="arabicPeriod"/>
             </a:pPr>
             <a:r>
-              <a:rPr lang="en-US" dirty="0"/>
+              <a:rPr lang="en-US" sz="1900"/>
               <a:t>Describe the emphasis in sample surveys </a:t>
             </a:r>
           </a:p>
@@ -8363,7 +9483,7 @@
               <a:buAutoNum type="arabicPeriod"/>
             </a:pPr>
             <a:r>
-              <a:rPr lang="en-US" dirty="0"/>
+              <a:rPr lang="en-US" sz="1900"/>
               <a:t>List the kinds of demographic and socioeconomic characteristics that interest marketers </a:t>
             </a:r>
           </a:p>
@@ -8373,12 +9493,94 @@
               <a:buAutoNum type="arabicPeriod"/>
             </a:pPr>
             <a:r>
-              <a:rPr lang="en-US" dirty="0"/>
+              <a:rPr lang="en-US" sz="1900"/>
               <a:t>Cite the three main approaches used to measure awareness </a:t>
             </a:r>
           </a:p>
         </p:txBody>
       </p:sp>
+      <p:pic>
+        <p:nvPicPr>
+          <p:cNvPr id="5" name="Picture 4" descr="Abstract blurred public library with bookshelves">
+            <a:extLst>
+              <a:ext uri="{FF2B5EF4-FFF2-40B4-BE49-F238E27FC236}">
+                <a16:creationId xmlns:a16="http://schemas.microsoft.com/office/drawing/2014/main" id="{7D6D08B9-D472-41A4-8CA0-2CB4A808DCD3}"/>
+              </a:ext>
+            </a:extLst>
+          </p:cNvPr>
+          <p:cNvPicPr>
+            <a:picLocks noChangeAspect="1"/>
+          </p:cNvPicPr>
+          <p:nvPr/>
+        </p:nvPicPr>
+        <p:blipFill rotWithShape="1">
+          <a:blip r:embed="rId2"/>
+          <a:srcRect l="16271" r="38610" b="-1"/>
+          <a:stretch/>
+        </p:blipFill>
+        <p:spPr>
+          <a:xfrm>
+            <a:off x="20" y="10"/>
+            <a:ext cx="4635571" cy="6857990"/>
+          </a:xfrm>
+          <a:prstGeom prst="rect">
+            <a:avLst/>
+          </a:prstGeom>
+          <a:effectLst/>
+        </p:spPr>
+      </p:pic>
+      <p:cxnSp>
+        <p:nvCxnSpPr>
+          <p:cNvPr id="9" name="Straight Connector 8">
+            <a:extLst>
+              <a:ext uri="{FF2B5EF4-FFF2-40B4-BE49-F238E27FC236}">
+                <a16:creationId xmlns:a16="http://schemas.microsoft.com/office/drawing/2014/main" id="{A7F400EE-A8A5-48AF-B4D6-291B52C6F0B0}"/>
+              </a:ext>
+              <a:ext uri="{C183D7F6-B498-43B3-948B-1728B52AA6E4}">
+                <adec:decorative xmlns:adec="http://schemas.microsoft.com/office/drawing/2017/decorative" val="1"/>
+              </a:ext>
+            </a:extLst>
+          </p:cNvPr>
+          <p:cNvCxnSpPr>
+            <a:cxnSpLocks noGrp="1" noRot="1" noChangeAspect="1" noMove="1" noResize="1" noEditPoints="1" noAdjustHandles="1" noChangeArrowheads="1" noChangeShapeType="1"/>
+          </p:cNvCxnSpPr>
+          <p:nvPr>
+            <p:extLst>
+              <p:ext uri="{386F3935-93C4-4BCD-93E2-E3B085C9AB24}">
+                <p16:designElem xmlns:p16="http://schemas.microsoft.com/office/powerpoint/2015/main" val="1"/>
+              </p:ext>
+            </p:extLst>
+          </p:nvPr>
+        </p:nvCxnSpPr>
+        <p:spPr>
+          <a:xfrm>
+            <a:off x="5080934" y="2115117"/>
+            <a:ext cx="6309360" cy="0"/>
+          </a:xfrm>
+          <a:prstGeom prst="line">
+            <a:avLst/>
+          </a:prstGeom>
+          <a:ln w="19050">
+            <a:solidFill>
+              <a:srgbClr val="D3A96C"/>
+            </a:solidFill>
+          </a:ln>
+        </p:spPr>
+        <p:style>
+          <a:lnRef idx="1">
+            <a:schemeClr val="accent1"/>
+          </a:lnRef>
+          <a:fillRef idx="0">
+            <a:schemeClr val="accent1"/>
+          </a:fillRef>
+          <a:effectRef idx="0">
+            <a:schemeClr val="accent1"/>
+          </a:effectRef>
+          <a:fontRef idx="minor">
+            <a:schemeClr val="tx1"/>
+          </a:fontRef>
+        </p:style>
+      </p:cxnSp>
     </p:spTree>
     <p:extLst>
       <p:ext uri="{BB962C8B-B14F-4D97-AF65-F5344CB8AC3E}">
@@ -9818,9 +11020,10 @@
           <a:lstStyle/>
           <a:p>
             <a:r>
-              <a:rPr lang="en-US" dirty="0"/>
+              <a:rPr lang="en-US"/>
               <a:t>Three Purposes of Descriptive Research</a:t>
             </a:r>
+            <a:endParaRPr lang="en-US" dirty="0"/>
           </a:p>
         </p:txBody>
       </p:sp>
@@ -9978,6 +11181,14 @@
 <file path=ppt/slides/slide5.xml><?xml version="1.0" encoding="utf-8"?>
 <p:sld xmlns:a="http://schemas.openxmlformats.org/drawingml/2006/main" xmlns:r="http://schemas.openxmlformats.org/officeDocument/2006/relationships" xmlns:p="http://schemas.openxmlformats.org/presentationml/2006/main">
   <p:cSld>
+    <p:bg>
+      <p:bgPr>
+        <a:solidFill>
+          <a:schemeClr val="bg1"/>
+        </a:solidFill>
+        <a:effectLst/>
+      </p:bgPr>
+    </p:bg>
     <p:spTree>
       <p:nvGrpSpPr>
         <p:cNvPr id="1" name=""/>
@@ -9992,6 +11203,127 @@
           <a:chExt cx="0" cy="0"/>
         </a:xfrm>
       </p:grpSpPr>
+      <p:cxnSp>
+        <p:nvCxnSpPr>
+          <p:cNvPr id="17" name="Straight Connector 8">
+            <a:extLst>
+              <a:ext uri="{FF2B5EF4-FFF2-40B4-BE49-F238E27FC236}">
+                <a16:creationId xmlns:a16="http://schemas.microsoft.com/office/drawing/2014/main" id="{D2E961F1-4A28-4A5F-BBD4-6E400E5E6C75}"/>
+              </a:ext>
+              <a:ext uri="{C183D7F6-B498-43B3-948B-1728B52AA6E4}">
+                <adec:decorative xmlns:adec="http://schemas.microsoft.com/office/drawing/2017/decorative" val="1"/>
+              </a:ext>
+            </a:extLst>
+          </p:cNvPr>
+          <p:cNvCxnSpPr>
+            <a:cxnSpLocks noGrp="1" noRot="1" noChangeAspect="1" noMove="1" noResize="1" noEditPoints="1" noAdjustHandles="1" noChangeArrowheads="1" noChangeShapeType="1"/>
+          </p:cNvCxnSpPr>
+          <p:nvPr>
+            <p:extLst>
+              <p:ext uri="{386F3935-93C4-4BCD-93E2-E3B085C9AB24}">
+                <p16:designElem xmlns:p16="http://schemas.microsoft.com/office/powerpoint/2015/main" val="1"/>
+              </p:ext>
+            </p:extLst>
+          </p:nvPr>
+        </p:nvCxnSpPr>
+        <p:spPr bwMode="white">
+          <a:xfrm>
+            <a:off x="0" y="272357"/>
+            <a:ext cx="12188824" cy="0"/>
+          </a:xfrm>
+          <a:prstGeom prst="line">
+            <a:avLst/>
+          </a:prstGeom>
+          <a:ln w="50800">
+            <a:solidFill>
+              <a:schemeClr val="tx1">
+                <a:lumMod val="75000"/>
+                <a:lumOff val="25000"/>
+              </a:schemeClr>
+            </a:solidFill>
+          </a:ln>
+        </p:spPr>
+        <p:style>
+          <a:lnRef idx="1">
+            <a:schemeClr val="accent1"/>
+          </a:lnRef>
+          <a:fillRef idx="0">
+            <a:schemeClr val="accent1"/>
+          </a:fillRef>
+          <a:effectRef idx="0">
+            <a:schemeClr val="accent1"/>
+          </a:effectRef>
+          <a:fontRef idx="minor">
+            <a:schemeClr val="tx1"/>
+          </a:fontRef>
+        </p:style>
+      </p:cxnSp>
+      <p:sp>
+        <p:nvSpPr>
+          <p:cNvPr id="18" name="Rectangle 10">
+            <a:extLst>
+              <a:ext uri="{FF2B5EF4-FFF2-40B4-BE49-F238E27FC236}">
+                <a16:creationId xmlns:a16="http://schemas.microsoft.com/office/drawing/2014/main" id="{7F57BEA8-497D-4AA8-8A18-BDCD696B25FE}"/>
+              </a:ext>
+              <a:ext uri="{C183D7F6-B498-43B3-948B-1728B52AA6E4}">
+                <adec:decorative xmlns:adec="http://schemas.microsoft.com/office/drawing/2017/decorative" val="1"/>
+              </a:ext>
+            </a:extLst>
+          </p:cNvPr>
+          <p:cNvSpPr>
+            <a:spLocks noGrp="1" noRot="1" noChangeAspect="1" noMove="1" noResize="1" noEditPoints="1" noAdjustHandles="1" noChangeArrowheads="1" noChangeShapeType="1" noTextEdit="1"/>
+          </p:cNvSpPr>
+          <p:nvPr>
+            <p:extLst>
+              <p:ext uri="{386F3935-93C4-4BCD-93E2-E3B085C9AB24}">
+                <p16:designElem xmlns:p16="http://schemas.microsoft.com/office/powerpoint/2015/main" val="1"/>
+              </p:ext>
+            </p:extLst>
+          </p:nvPr>
+        </p:nvSpPr>
+        <p:spPr>
+          <a:xfrm>
+            <a:off x="0" y="368596"/>
+            <a:ext cx="12192000" cy="1735555"/>
+          </a:xfrm>
+          <a:prstGeom prst="rect">
+            <a:avLst/>
+          </a:prstGeom>
+          <a:solidFill>
+            <a:schemeClr val="tx1">
+              <a:lumMod val="75000"/>
+              <a:lumOff val="25000"/>
+            </a:schemeClr>
+          </a:solidFill>
+          <a:ln>
+            <a:noFill/>
+          </a:ln>
+        </p:spPr>
+        <p:style>
+          <a:lnRef idx="2">
+            <a:schemeClr val="accent1">
+              <a:shade val="50000"/>
+            </a:schemeClr>
+          </a:lnRef>
+          <a:fillRef idx="1">
+            <a:schemeClr val="accent1"/>
+          </a:fillRef>
+          <a:effectRef idx="0">
+            <a:schemeClr val="accent1"/>
+          </a:effectRef>
+          <a:fontRef idx="minor">
+            <a:schemeClr val="lt1"/>
+          </a:fontRef>
+        </p:style>
+        <p:txBody>
+          <a:bodyPr rtlCol="0" anchor="ctr"/>
+          <a:lstStyle/>
+          <a:p>
+            <a:pPr algn="ctr"/>
+            <a:endParaRPr lang="en-US"/>
+          </a:p>
+        </p:txBody>
+      </p:sp>
       <p:sp>
         <p:nvSpPr>
           <p:cNvPr id="2" name="Title 1">
@@ -10008,18 +11340,142 @@
             <p:ph type="title"/>
           </p:nvPr>
         </p:nvSpPr>
-        <p:spPr/>
-        <p:txBody>
-          <a:bodyPr/>
-          <a:lstStyle/>
-          <a:p>
-            <a:r>
-              <a:rPr lang="en-US" dirty="0"/>
+        <p:spPr>
+          <a:xfrm>
+            <a:off x="526073" y="489439"/>
+            <a:ext cx="11139854" cy="930447"/>
+          </a:xfrm>
+        </p:spPr>
+        <p:txBody>
+          <a:bodyPr vert="horz" lIns="91440" tIns="45720" rIns="91440" bIns="45720" rtlCol="0" anchor="b">
+            <a:normAutofit/>
+          </a:bodyPr>
+          <a:lstStyle/>
+          <a:p>
+            <a:pPr algn="ctr"/>
+            <a:r>
+              <a:rPr lang="en-US" sz="5400" kern="1200">
+                <a:solidFill>
+                  <a:schemeClr val="bg1"/>
+                </a:solidFill>
+                <a:latin typeface="+mj-lt"/>
+                <a:ea typeface="+mj-ea"/>
+                <a:cs typeface="+mj-cs"/>
+              </a:rPr>
               <a:t>Classification of Descriptive Studies </a:t>
             </a:r>
           </a:p>
         </p:txBody>
       </p:sp>
+      <p:cxnSp>
+        <p:nvCxnSpPr>
+          <p:cNvPr id="19" name="Straight Connector 12">
+            <a:extLst>
+              <a:ext uri="{FF2B5EF4-FFF2-40B4-BE49-F238E27FC236}">
+                <a16:creationId xmlns:a16="http://schemas.microsoft.com/office/drawing/2014/main" id="{A82415D3-DDE5-4D63-8CB3-23A5EC581B27}"/>
+              </a:ext>
+              <a:ext uri="{C183D7F6-B498-43B3-948B-1728B52AA6E4}">
+                <adec:decorative xmlns:adec="http://schemas.microsoft.com/office/drawing/2017/decorative" val="1"/>
+              </a:ext>
+            </a:extLst>
+          </p:cNvPr>
+          <p:cNvCxnSpPr>
+            <a:cxnSpLocks noGrp="1" noRot="1" noChangeAspect="1" noMove="1" noResize="1" noEditPoints="1" noAdjustHandles="1" noChangeArrowheads="1" noChangeShapeType="1"/>
+          </p:cNvCxnSpPr>
+          <p:nvPr>
+            <p:extLst>
+              <p:ext uri="{386F3935-93C4-4BCD-93E2-E3B085C9AB24}">
+                <p16:designElem xmlns:p16="http://schemas.microsoft.com/office/powerpoint/2015/main" val="1"/>
+              </p:ext>
+            </p:extLst>
+          </p:nvPr>
+        </p:nvCxnSpPr>
+        <p:spPr>
+          <a:xfrm>
+            <a:off x="4724400" y="1479733"/>
+            <a:ext cx="2743200" cy="0"/>
+          </a:xfrm>
+          <a:prstGeom prst="line">
+            <a:avLst/>
+          </a:prstGeom>
+          <a:ln w="19050">
+            <a:solidFill>
+              <a:schemeClr val="bg1">
+                <a:alpha val="75000"/>
+              </a:schemeClr>
+            </a:solidFill>
+          </a:ln>
+        </p:spPr>
+        <p:style>
+          <a:lnRef idx="1">
+            <a:schemeClr val="accent1"/>
+          </a:lnRef>
+          <a:fillRef idx="0">
+            <a:schemeClr val="accent1"/>
+          </a:fillRef>
+          <a:effectRef idx="0">
+            <a:schemeClr val="accent1"/>
+          </a:effectRef>
+          <a:fontRef idx="minor">
+            <a:schemeClr val="tx1"/>
+          </a:fontRef>
+        </p:style>
+      </p:cxnSp>
+      <p:cxnSp>
+        <p:nvCxnSpPr>
+          <p:cNvPr id="20" name="Straight Connector 14">
+            <a:extLst>
+              <a:ext uri="{FF2B5EF4-FFF2-40B4-BE49-F238E27FC236}">
+                <a16:creationId xmlns:a16="http://schemas.microsoft.com/office/drawing/2014/main" id="{AD7193FB-6AE6-4B3B-8F89-56B55DD63B4D}"/>
+              </a:ext>
+              <a:ext uri="{C183D7F6-B498-43B3-948B-1728B52AA6E4}">
+                <adec:decorative xmlns:adec="http://schemas.microsoft.com/office/drawing/2017/decorative" val="1"/>
+              </a:ext>
+            </a:extLst>
+          </p:cNvPr>
+          <p:cNvCxnSpPr>
+            <a:cxnSpLocks noGrp="1" noRot="1" noChangeAspect="1" noMove="1" noResize="1" noEditPoints="1" noAdjustHandles="1" noChangeArrowheads="1" noChangeShapeType="1"/>
+          </p:cNvCxnSpPr>
+          <p:nvPr>
+            <p:extLst>
+              <p:ext uri="{386F3935-93C4-4BCD-93E2-E3B085C9AB24}">
+                <p16:designElem xmlns:p16="http://schemas.microsoft.com/office/powerpoint/2015/main" val="1"/>
+              </p:ext>
+            </p:extLst>
+          </p:nvPr>
+        </p:nvCxnSpPr>
+        <p:spPr bwMode="white">
+          <a:xfrm>
+            <a:off x="0" y="2201402"/>
+            <a:ext cx="12188824" cy="0"/>
+          </a:xfrm>
+          <a:prstGeom prst="line">
+            <a:avLst/>
+          </a:prstGeom>
+          <a:ln w="50800">
+            <a:solidFill>
+              <a:schemeClr val="tx1">
+                <a:lumMod val="75000"/>
+                <a:lumOff val="25000"/>
+              </a:schemeClr>
+            </a:solidFill>
+          </a:ln>
+        </p:spPr>
+        <p:style>
+          <a:lnRef idx="1">
+            <a:schemeClr val="accent1"/>
+          </a:lnRef>
+          <a:fillRef idx="0">
+            <a:schemeClr val="accent1"/>
+          </a:fillRef>
+          <a:effectRef idx="0">
+            <a:schemeClr val="accent1"/>
+          </a:effectRef>
+          <a:fontRef idx="minor">
+            <a:schemeClr val="tx1"/>
+          </a:fontRef>
+        </p:style>
+      </p:cxnSp>
       <p:pic>
         <p:nvPicPr>
           <p:cNvPr id="4" name="Picture 3" descr="A flowchart shows the classifications of Descriptive Studies. Descriptive Studies branches out into the following: Longitudinal, and Cross-Sectional. Longitudinal further branches out into the following: Continuous Panel, and Discontinuous Panel. Cross-Sectional comprises of Sample Survey.">
@@ -10042,26 +11498,19 @@
               </a:ext>
             </a:extLst>
           </a:blip>
-          <a:srcRect/>
           <a:stretch>
             <a:fillRect/>
           </a:stretch>
         </p:blipFill>
         <p:spPr bwMode="auto">
           <a:xfrm>
-            <a:off x="1981200" y="2022162"/>
-            <a:ext cx="8229600" cy="2813677"/>
+            <a:off x="320040" y="2457529"/>
+            <a:ext cx="11496821" cy="3937660"/>
           </a:xfrm>
           <a:prstGeom prst="rect">
             <a:avLst/>
           </a:prstGeom>
           <a:noFill/>
-          <a:ln w="9525">
-            <a:noFill/>
-            <a:miter lim="800000"/>
-            <a:headEnd/>
-            <a:tailEnd/>
-          </a:ln>
           <a:extLst>
             <a:ext uri="{909E8E84-426E-40DD-AFC4-6F175D3DCCD1}">
               <a14:hiddenFill xmlns:a14="http://schemas.microsoft.com/office/drawing/2010/main">
@@ -10173,7 +11622,7 @@
             <a:pPr lvl="1"/>
             <a:r>
               <a:rPr lang="en-US" dirty="0"/>
-              <a:t>Continuous panel: A fixed sample of respondents who are measured repeatedly over time with respect to he same variables</a:t>
+              <a:t>Continuous panel: A fixed sample of respondents who are measured repeatedly over time with respect to the same variables</a:t>
             </a:r>
           </a:p>
           <a:p>
@@ -10214,6 +11663,14 @@
 <file path=ppt/slides/slide7.xml><?xml version="1.0" encoding="utf-8"?>
 <p:sld xmlns:a="http://schemas.openxmlformats.org/drawingml/2006/main" xmlns:r="http://schemas.openxmlformats.org/officeDocument/2006/relationships" xmlns:p="http://schemas.openxmlformats.org/presentationml/2006/main">
   <p:cSld>
+    <p:bg>
+      <p:bgPr>
+        <a:solidFill>
+          <a:schemeClr val="bg1"/>
+        </a:solidFill>
+        <a:effectLst/>
+      </p:bgPr>
+    </p:bg>
     <p:spTree>
       <p:nvGrpSpPr>
         <p:cNvPr id="1" name=""/>
@@ -10228,6 +11685,328 @@
           <a:chExt cx="0" cy="0"/>
         </a:xfrm>
       </p:grpSpPr>
+      <p:sp useBgFill="1">
+        <p:nvSpPr>
+          <p:cNvPr id="8" name="Rectangle 7">
+            <a:extLst>
+              <a:ext uri="{FF2B5EF4-FFF2-40B4-BE49-F238E27FC236}">
+                <a16:creationId xmlns:a16="http://schemas.microsoft.com/office/drawing/2014/main" id="{C7FA33FF-088D-4F16-95A2-2C64D353DEA8}"/>
+              </a:ext>
+              <a:ext uri="{C183D7F6-B498-43B3-948B-1728B52AA6E4}">
+                <adec:decorative xmlns:adec="http://schemas.microsoft.com/office/drawing/2017/decorative" val="1"/>
+              </a:ext>
+            </a:extLst>
+          </p:cNvPr>
+          <p:cNvSpPr>
+            <a:spLocks noGrp="1" noRot="1" noChangeAspect="1" noMove="1" noResize="1" noEditPoints="1" noAdjustHandles="1" noChangeArrowheads="1" noChangeShapeType="1" noTextEdit="1"/>
+          </p:cNvSpPr>
+          <p:nvPr>
+            <p:extLst>
+              <p:ext uri="{386F3935-93C4-4BCD-93E2-E3B085C9AB24}">
+                <p16:designElem xmlns:p16="http://schemas.microsoft.com/office/powerpoint/2015/main" val="1"/>
+              </p:ext>
+            </p:extLst>
+          </p:nvPr>
+        </p:nvSpPr>
+        <p:spPr>
+          <a:xfrm>
+            <a:off x="1524" y="0"/>
+            <a:ext cx="12188952" cy="6858000"/>
+          </a:xfrm>
+          <a:prstGeom prst="rect">
+            <a:avLst/>
+          </a:prstGeom>
+          <a:ln>
+            <a:noFill/>
+          </a:ln>
+        </p:spPr>
+        <p:style>
+          <a:lnRef idx="2">
+            <a:schemeClr val="accent1">
+              <a:shade val="50000"/>
+            </a:schemeClr>
+          </a:lnRef>
+          <a:fillRef idx="1">
+            <a:schemeClr val="accent1"/>
+          </a:fillRef>
+          <a:effectRef idx="0">
+            <a:schemeClr val="accent1"/>
+          </a:effectRef>
+          <a:fontRef idx="minor">
+            <a:schemeClr val="lt1"/>
+          </a:fontRef>
+        </p:style>
+        <p:txBody>
+          <a:bodyPr rtlCol="0" anchor="ctr"/>
+          <a:lstStyle/>
+          <a:p>
+            <a:pPr marL="0" marR="0" lvl="0" indent="0" algn="ctr" defTabSz="914400" rtl="0" eaLnBrk="1" fontAlgn="auto" latinLnBrk="0" hangingPunct="1">
+              <a:lnSpc>
+                <a:spcPct val="100000"/>
+              </a:lnSpc>
+              <a:spcBef>
+                <a:spcPts val="0"/>
+              </a:spcBef>
+              <a:spcAft>
+                <a:spcPts val="0"/>
+              </a:spcAft>
+              <a:buClrTx/>
+              <a:buSzTx/>
+              <a:buFontTx/>
+              <a:buNone/>
+              <a:tabLst/>
+              <a:defRPr/>
+            </a:pPr>
+            <a:endParaRPr kumimoji="0" lang="en-US" sz="1800" b="0" i="0" u="none" strike="noStrike" kern="1200" cap="none" spc="0" normalizeH="0" baseline="0" noProof="0">
+              <a:ln>
+                <a:noFill/>
+              </a:ln>
+              <a:solidFill>
+                <a:prstClr val="white"/>
+              </a:solidFill>
+              <a:effectLst/>
+              <a:uLnTx/>
+              <a:uFillTx/>
+              <a:latin typeface="Calibri" panose="020F0502020204030204"/>
+              <a:ea typeface="+mn-ea"/>
+              <a:cs typeface="+mn-cs"/>
+            </a:endParaRPr>
+          </a:p>
+        </p:txBody>
+      </p:sp>
+      <p:sp>
+        <p:nvSpPr>
+          <p:cNvPr id="10" name="Rectangle 9">
+            <a:extLst>
+              <a:ext uri="{FF2B5EF4-FFF2-40B4-BE49-F238E27FC236}">
+                <a16:creationId xmlns:a16="http://schemas.microsoft.com/office/drawing/2014/main" id="{A376EFB1-01CF-419F-ABF1-2AF02BBFCBD1}"/>
+              </a:ext>
+              <a:ext uri="{C183D7F6-B498-43B3-948B-1728B52AA6E4}">
+                <adec:decorative xmlns:adec="http://schemas.microsoft.com/office/drawing/2017/decorative" val="1"/>
+              </a:ext>
+            </a:extLst>
+          </p:cNvPr>
+          <p:cNvSpPr>
+            <a:spLocks noGrp="1" noRot="1" noChangeAspect="1" noMove="1" noResize="1" noEditPoints="1" noAdjustHandles="1" noChangeArrowheads="1" noChangeShapeType="1" noTextEdit="1"/>
+          </p:cNvSpPr>
+          <p:nvPr>
+            <p:extLst>
+              <p:ext uri="{386F3935-93C4-4BCD-93E2-E3B085C9AB24}">
+                <p16:designElem xmlns:p16="http://schemas.microsoft.com/office/powerpoint/2015/main" val="1"/>
+              </p:ext>
+            </p:extLst>
+          </p:nvPr>
+        </p:nvSpPr>
+        <p:spPr>
+          <a:xfrm>
+            <a:off x="0" y="0"/>
+            <a:ext cx="4709160" cy="6858000"/>
+          </a:xfrm>
+          <a:prstGeom prst="rect">
+            <a:avLst/>
+          </a:prstGeom>
+          <a:solidFill>
+            <a:schemeClr val="tx1">
+              <a:alpha val="81000"/>
+            </a:schemeClr>
+          </a:solidFill>
+          <a:ln>
+            <a:noFill/>
+          </a:ln>
+        </p:spPr>
+        <p:style>
+          <a:lnRef idx="2">
+            <a:schemeClr val="accent1">
+              <a:shade val="50000"/>
+            </a:schemeClr>
+          </a:lnRef>
+          <a:fillRef idx="1">
+            <a:schemeClr val="accent1"/>
+          </a:fillRef>
+          <a:effectRef idx="0">
+            <a:schemeClr val="accent1"/>
+          </a:effectRef>
+          <a:fontRef idx="minor">
+            <a:schemeClr val="lt1"/>
+          </a:fontRef>
+        </p:style>
+        <p:txBody>
+          <a:bodyPr rtlCol="0" anchor="ctr"/>
+          <a:lstStyle/>
+          <a:p>
+            <a:pPr marL="0" marR="0" lvl="0" indent="0" algn="ctr" defTabSz="914400" rtl="0" eaLnBrk="1" fontAlgn="auto" latinLnBrk="0" hangingPunct="1">
+              <a:lnSpc>
+                <a:spcPct val="100000"/>
+              </a:lnSpc>
+              <a:spcBef>
+                <a:spcPts val="0"/>
+              </a:spcBef>
+              <a:spcAft>
+                <a:spcPts val="0"/>
+              </a:spcAft>
+              <a:buClrTx/>
+              <a:buSzTx/>
+              <a:buFontTx/>
+              <a:buNone/>
+              <a:tabLst/>
+              <a:defRPr/>
+            </a:pPr>
+            <a:endParaRPr kumimoji="0" lang="en-US" sz="1800" b="0" i="0" u="none" strike="noStrike" kern="1200" cap="none" spc="0" normalizeH="0" baseline="0" noProof="0">
+              <a:ln>
+                <a:noFill/>
+              </a:ln>
+              <a:solidFill>
+                <a:prstClr val="white"/>
+              </a:solidFill>
+              <a:effectLst/>
+              <a:uLnTx/>
+              <a:uFillTx/>
+              <a:latin typeface="Calibri" panose="020F0502020204030204"/>
+              <a:ea typeface="+mn-ea"/>
+              <a:cs typeface="+mn-cs"/>
+            </a:endParaRPr>
+          </a:p>
+        </p:txBody>
+      </p:sp>
+      <p:sp>
+        <p:nvSpPr>
+          <p:cNvPr id="12" name="Freeform: Shape 11">
+            <a:extLst>
+              <a:ext uri="{FF2B5EF4-FFF2-40B4-BE49-F238E27FC236}">
+                <a16:creationId xmlns:a16="http://schemas.microsoft.com/office/drawing/2014/main" id="{FF9DEA15-78BD-4750-AA18-B9F28A6D5AB8}"/>
+              </a:ext>
+              <a:ext uri="{C183D7F6-B498-43B3-948B-1728B52AA6E4}">
+                <adec:decorative xmlns:adec="http://schemas.microsoft.com/office/drawing/2017/decorative" val="1"/>
+              </a:ext>
+            </a:extLst>
+          </p:cNvPr>
+          <p:cNvSpPr>
+            <a:spLocks noGrp="1" noRot="1" noChangeAspect="1" noMove="1" noResize="1" noEditPoints="1" noAdjustHandles="1" noChangeArrowheads="1" noChangeShapeType="1" noTextEdit="1"/>
+          </p:cNvSpPr>
+          <p:nvPr>
+            <p:extLst>
+              <p:ext uri="{386F3935-93C4-4BCD-93E2-E3B085C9AB24}">
+                <p16:designElem xmlns:p16="http://schemas.microsoft.com/office/powerpoint/2015/main" val="1"/>
+              </p:ext>
+            </p:extLst>
+          </p:nvPr>
+        </p:nvSpPr>
+        <p:spPr>
+          <a:xfrm>
+            <a:off x="0" y="0"/>
+            <a:ext cx="3284331" cy="6858000"/>
+          </a:xfrm>
+          <a:custGeom>
+            <a:avLst/>
+            <a:gdLst>
+              <a:gd name="connsiteX0" fmla="*/ 0 w 4319042"/>
+              <a:gd name="connsiteY0" fmla="*/ 0 h 6858000"/>
+              <a:gd name="connsiteX1" fmla="*/ 1142888 w 4319042"/>
+              <a:gd name="connsiteY1" fmla="*/ 0 h 6858000"/>
+              <a:gd name="connsiteX2" fmla="*/ 4319042 w 4319042"/>
+              <a:gd name="connsiteY2" fmla="*/ 6858000 h 6858000"/>
+              <a:gd name="connsiteX3" fmla="*/ 0 w 4319042"/>
+              <a:gd name="connsiteY3" fmla="*/ 6858000 h 6858000"/>
+            </a:gdLst>
+            <a:ahLst/>
+            <a:cxnLst>
+              <a:cxn ang="0">
+                <a:pos x="connsiteX0" y="connsiteY0"/>
+              </a:cxn>
+              <a:cxn ang="0">
+                <a:pos x="connsiteX1" y="connsiteY1"/>
+              </a:cxn>
+              <a:cxn ang="0">
+                <a:pos x="connsiteX2" y="connsiteY2"/>
+              </a:cxn>
+              <a:cxn ang="0">
+                <a:pos x="connsiteX3" y="connsiteY3"/>
+              </a:cxn>
+            </a:cxnLst>
+            <a:rect l="l" t="t" r="r" b="b"/>
+            <a:pathLst>
+              <a:path w="4319042" h="6858000">
+                <a:moveTo>
+                  <a:pt x="0" y="0"/>
+                </a:moveTo>
+                <a:lnTo>
+                  <a:pt x="1142888" y="0"/>
+                </a:lnTo>
+                <a:lnTo>
+                  <a:pt x="4319042" y="6858000"/>
+                </a:lnTo>
+                <a:lnTo>
+                  <a:pt x="0" y="6858000"/>
+                </a:lnTo>
+                <a:close/>
+              </a:path>
+            </a:pathLst>
+          </a:custGeom>
+          <a:solidFill>
+            <a:schemeClr val="tx1">
+              <a:alpha val="35000"/>
+            </a:schemeClr>
+          </a:solidFill>
+          <a:ln>
+            <a:noFill/>
+          </a:ln>
+        </p:spPr>
+        <p:style>
+          <a:lnRef idx="2">
+            <a:schemeClr val="accent1">
+              <a:shade val="50000"/>
+            </a:schemeClr>
+          </a:lnRef>
+          <a:fillRef idx="1">
+            <a:schemeClr val="accent1"/>
+          </a:fillRef>
+          <a:effectRef idx="0">
+            <a:schemeClr val="accent1"/>
+          </a:effectRef>
+          <a:fontRef idx="minor">
+            <a:schemeClr val="lt1"/>
+          </a:fontRef>
+        </p:style>
+        <p:txBody>
+          <a:bodyPr wrap="square" rtlCol="0" anchor="ctr">
+            <a:noAutofit/>
+          </a:bodyPr>
+          <a:lstStyle/>
+          <a:p>
+            <a:pPr marL="0" marR="0" lvl="0" indent="0" algn="ctr" defTabSz="914400" rtl="0" eaLnBrk="1" fontAlgn="auto" latinLnBrk="0" hangingPunct="1">
+              <a:lnSpc>
+                <a:spcPct val="100000"/>
+              </a:lnSpc>
+              <a:spcBef>
+                <a:spcPts val="0"/>
+              </a:spcBef>
+              <a:spcAft>
+                <a:spcPts val="0"/>
+              </a:spcAft>
+              <a:buClrTx/>
+              <a:buSzTx/>
+              <a:buFontTx/>
+              <a:buNone/>
+              <a:tabLst/>
+              <a:defRPr/>
+            </a:pPr>
+            <a:endParaRPr kumimoji="0" lang="en-US" sz="1800" b="0" i="0" u="none" strike="noStrike" kern="1200" cap="none" spc="0" normalizeH="0" baseline="0" noProof="0">
+              <a:ln>
+                <a:noFill/>
+              </a:ln>
+              <a:solidFill>
+                <a:prstClr val="white"/>
+              </a:solidFill>
+              <a:effectLst/>
+              <a:uLnTx/>
+              <a:uFillTx/>
+              <a:latin typeface="Calibri" panose="020F0502020204030204"/>
+              <a:ea typeface="+mn-ea"/>
+              <a:cs typeface="+mn-cs"/>
+            </a:endParaRPr>
+          </a:p>
+        </p:txBody>
+      </p:sp>
       <p:sp>
         <p:nvSpPr>
           <p:cNvPr id="2" name="Title 1">
@@ -10244,13 +12023,24 @@
             <p:ph type="title"/>
           </p:nvPr>
         </p:nvSpPr>
-        <p:spPr/>
-        <p:txBody>
-          <a:bodyPr/>
-          <a:lstStyle/>
-          <a:p>
-            <a:r>
-              <a:rPr lang="en-US" dirty="0"/>
+        <p:spPr>
+          <a:xfrm>
+            <a:off x="804672" y="640080"/>
+            <a:ext cx="3282696" cy="5257800"/>
+          </a:xfrm>
+        </p:spPr>
+        <p:txBody>
+          <a:bodyPr>
+            <a:normAutofit/>
+          </a:bodyPr>
+          <a:lstStyle/>
+          <a:p>
+            <a:r>
+              <a:rPr lang="en-US">
+                <a:solidFill>
+                  <a:schemeClr val="bg1"/>
+                </a:solidFill>
+              </a:rPr>
               <a:t>Types of Primary Data </a:t>
             </a:r>
           </a:p>
@@ -10272,54 +12062,61 @@
             <p:ph idx="1"/>
           </p:nvPr>
         </p:nvSpPr>
-        <p:spPr/>
-        <p:txBody>
-          <a:bodyPr/>
-          <a:lstStyle/>
-          <a:p>
-            <a:r>
-              <a:rPr lang="en-US" dirty="0"/>
+        <p:spPr>
+          <a:xfrm>
+            <a:off x="5358384" y="640081"/>
+            <a:ext cx="6024654" cy="5257800"/>
+          </a:xfrm>
+        </p:spPr>
+        <p:txBody>
+          <a:bodyPr anchor="ctr">
+            <a:normAutofit/>
+          </a:bodyPr>
+          <a:lstStyle/>
+          <a:p>
+            <a:r>
+              <a:rPr lang="en-US" sz="2400"/>
               <a:t>Demographic/socioeconomic characteristics </a:t>
             </a:r>
           </a:p>
           <a:p>
             <a:r>
-              <a:rPr lang="en-US" dirty="0"/>
+              <a:rPr lang="en-US" sz="2400"/>
               <a:t>Personality/lifestyle characteristics </a:t>
             </a:r>
           </a:p>
           <a:p>
             <a:r>
-              <a:rPr lang="en-US" dirty="0"/>
+              <a:rPr lang="en-US" sz="2400"/>
               <a:t>Attitudes </a:t>
             </a:r>
           </a:p>
           <a:p>
             <a:r>
-              <a:rPr lang="en-US" dirty="0"/>
+              <a:rPr lang="en-US" sz="2400"/>
               <a:t>Awareness/knowledge </a:t>
             </a:r>
           </a:p>
           <a:p>
             <a:r>
-              <a:rPr lang="en-US" dirty="0"/>
+              <a:rPr lang="en-US" sz="2400"/>
               <a:t>Intentions </a:t>
             </a:r>
           </a:p>
           <a:p>
             <a:r>
-              <a:rPr lang="en-US" dirty="0"/>
+              <a:rPr lang="en-US" sz="2400"/>
               <a:t>Motivation </a:t>
             </a:r>
           </a:p>
           <a:p>
             <a:r>
-              <a:rPr lang="en-US" dirty="0"/>
+              <a:rPr lang="en-US" sz="2400"/>
               <a:t>Behavior </a:t>
             </a:r>
           </a:p>
           <a:p>
-            <a:endParaRPr lang="en-US" dirty="0"/>
+            <a:endParaRPr lang="en-US" sz="2400"/>
           </a:p>
         </p:txBody>
       </p:sp>
@@ -10339,6 +12136,14 @@
 <file path=ppt/slides/slide8.xml><?xml version="1.0" encoding="utf-8"?>
 <p:sld xmlns:a="http://schemas.openxmlformats.org/drawingml/2006/main" xmlns:r="http://schemas.openxmlformats.org/officeDocument/2006/relationships" xmlns:p="http://schemas.openxmlformats.org/presentationml/2006/main">
   <p:cSld>
+    <p:bg>
+      <p:bgPr>
+        <a:solidFill>
+          <a:schemeClr val="bg1"/>
+        </a:solidFill>
+        <a:effectLst/>
+      </p:bgPr>
+    </p:bg>
     <p:spTree>
       <p:nvGrpSpPr>
         <p:cNvPr id="1" name=""/>
@@ -10353,6 +12158,328 @@
           <a:chExt cx="0" cy="0"/>
         </a:xfrm>
       </p:grpSpPr>
+      <p:sp useBgFill="1">
+        <p:nvSpPr>
+          <p:cNvPr id="8" name="Rectangle 7">
+            <a:extLst>
+              <a:ext uri="{FF2B5EF4-FFF2-40B4-BE49-F238E27FC236}">
+                <a16:creationId xmlns:a16="http://schemas.microsoft.com/office/drawing/2014/main" id="{C7FA33FF-088D-4F16-95A2-2C64D353DEA8}"/>
+              </a:ext>
+              <a:ext uri="{C183D7F6-B498-43B3-948B-1728B52AA6E4}">
+                <adec:decorative xmlns:adec="http://schemas.microsoft.com/office/drawing/2017/decorative" val="1"/>
+              </a:ext>
+            </a:extLst>
+          </p:cNvPr>
+          <p:cNvSpPr>
+            <a:spLocks noGrp="1" noRot="1" noChangeAspect="1" noMove="1" noResize="1" noEditPoints="1" noAdjustHandles="1" noChangeArrowheads="1" noChangeShapeType="1" noTextEdit="1"/>
+          </p:cNvSpPr>
+          <p:nvPr>
+            <p:extLst>
+              <p:ext uri="{386F3935-93C4-4BCD-93E2-E3B085C9AB24}">
+                <p16:designElem xmlns:p16="http://schemas.microsoft.com/office/powerpoint/2015/main" val="1"/>
+              </p:ext>
+            </p:extLst>
+          </p:nvPr>
+        </p:nvSpPr>
+        <p:spPr>
+          <a:xfrm>
+            <a:off x="1524" y="0"/>
+            <a:ext cx="12188952" cy="6858000"/>
+          </a:xfrm>
+          <a:prstGeom prst="rect">
+            <a:avLst/>
+          </a:prstGeom>
+          <a:ln>
+            <a:noFill/>
+          </a:ln>
+        </p:spPr>
+        <p:style>
+          <a:lnRef idx="2">
+            <a:schemeClr val="accent1">
+              <a:shade val="50000"/>
+            </a:schemeClr>
+          </a:lnRef>
+          <a:fillRef idx="1">
+            <a:schemeClr val="accent1"/>
+          </a:fillRef>
+          <a:effectRef idx="0">
+            <a:schemeClr val="accent1"/>
+          </a:effectRef>
+          <a:fontRef idx="minor">
+            <a:schemeClr val="lt1"/>
+          </a:fontRef>
+        </p:style>
+        <p:txBody>
+          <a:bodyPr rtlCol="0" anchor="ctr"/>
+          <a:lstStyle/>
+          <a:p>
+            <a:pPr marL="0" marR="0" lvl="0" indent="0" algn="ctr" defTabSz="914400" rtl="0" eaLnBrk="1" fontAlgn="auto" latinLnBrk="0" hangingPunct="1">
+              <a:lnSpc>
+                <a:spcPct val="100000"/>
+              </a:lnSpc>
+              <a:spcBef>
+                <a:spcPts val="0"/>
+              </a:spcBef>
+              <a:spcAft>
+                <a:spcPts val="0"/>
+              </a:spcAft>
+              <a:buClrTx/>
+              <a:buSzTx/>
+              <a:buFontTx/>
+              <a:buNone/>
+              <a:tabLst/>
+              <a:defRPr/>
+            </a:pPr>
+            <a:endParaRPr kumimoji="0" lang="en-US" sz="1800" b="0" i="0" u="none" strike="noStrike" kern="1200" cap="none" spc="0" normalizeH="0" baseline="0" noProof="0">
+              <a:ln>
+                <a:noFill/>
+              </a:ln>
+              <a:solidFill>
+                <a:prstClr val="white"/>
+              </a:solidFill>
+              <a:effectLst/>
+              <a:uLnTx/>
+              <a:uFillTx/>
+              <a:latin typeface="Calibri" panose="020F0502020204030204"/>
+              <a:ea typeface="+mn-ea"/>
+              <a:cs typeface="+mn-cs"/>
+            </a:endParaRPr>
+          </a:p>
+        </p:txBody>
+      </p:sp>
+      <p:sp>
+        <p:nvSpPr>
+          <p:cNvPr id="10" name="Rectangle 9">
+            <a:extLst>
+              <a:ext uri="{FF2B5EF4-FFF2-40B4-BE49-F238E27FC236}">
+                <a16:creationId xmlns:a16="http://schemas.microsoft.com/office/drawing/2014/main" id="{A376EFB1-01CF-419F-ABF1-2AF02BBFCBD1}"/>
+              </a:ext>
+              <a:ext uri="{C183D7F6-B498-43B3-948B-1728B52AA6E4}">
+                <adec:decorative xmlns:adec="http://schemas.microsoft.com/office/drawing/2017/decorative" val="1"/>
+              </a:ext>
+            </a:extLst>
+          </p:cNvPr>
+          <p:cNvSpPr>
+            <a:spLocks noGrp="1" noRot="1" noChangeAspect="1" noMove="1" noResize="1" noEditPoints="1" noAdjustHandles="1" noChangeArrowheads="1" noChangeShapeType="1" noTextEdit="1"/>
+          </p:cNvSpPr>
+          <p:nvPr>
+            <p:extLst>
+              <p:ext uri="{386F3935-93C4-4BCD-93E2-E3B085C9AB24}">
+                <p16:designElem xmlns:p16="http://schemas.microsoft.com/office/powerpoint/2015/main" val="1"/>
+              </p:ext>
+            </p:extLst>
+          </p:nvPr>
+        </p:nvSpPr>
+        <p:spPr>
+          <a:xfrm>
+            <a:off x="0" y="0"/>
+            <a:ext cx="4709160" cy="6858000"/>
+          </a:xfrm>
+          <a:prstGeom prst="rect">
+            <a:avLst/>
+          </a:prstGeom>
+          <a:solidFill>
+            <a:schemeClr val="tx1">
+              <a:alpha val="81000"/>
+            </a:schemeClr>
+          </a:solidFill>
+          <a:ln>
+            <a:noFill/>
+          </a:ln>
+        </p:spPr>
+        <p:style>
+          <a:lnRef idx="2">
+            <a:schemeClr val="accent1">
+              <a:shade val="50000"/>
+            </a:schemeClr>
+          </a:lnRef>
+          <a:fillRef idx="1">
+            <a:schemeClr val="accent1"/>
+          </a:fillRef>
+          <a:effectRef idx="0">
+            <a:schemeClr val="accent1"/>
+          </a:effectRef>
+          <a:fontRef idx="minor">
+            <a:schemeClr val="lt1"/>
+          </a:fontRef>
+        </p:style>
+        <p:txBody>
+          <a:bodyPr rtlCol="0" anchor="ctr"/>
+          <a:lstStyle/>
+          <a:p>
+            <a:pPr marL="0" marR="0" lvl="0" indent="0" algn="ctr" defTabSz="914400" rtl="0" eaLnBrk="1" fontAlgn="auto" latinLnBrk="0" hangingPunct="1">
+              <a:lnSpc>
+                <a:spcPct val="100000"/>
+              </a:lnSpc>
+              <a:spcBef>
+                <a:spcPts val="0"/>
+              </a:spcBef>
+              <a:spcAft>
+                <a:spcPts val="0"/>
+              </a:spcAft>
+              <a:buClrTx/>
+              <a:buSzTx/>
+              <a:buFontTx/>
+              <a:buNone/>
+              <a:tabLst/>
+              <a:defRPr/>
+            </a:pPr>
+            <a:endParaRPr kumimoji="0" lang="en-US" sz="1800" b="0" i="0" u="none" strike="noStrike" kern="1200" cap="none" spc="0" normalizeH="0" baseline="0" noProof="0">
+              <a:ln>
+                <a:noFill/>
+              </a:ln>
+              <a:solidFill>
+                <a:prstClr val="white"/>
+              </a:solidFill>
+              <a:effectLst/>
+              <a:uLnTx/>
+              <a:uFillTx/>
+              <a:latin typeface="Calibri" panose="020F0502020204030204"/>
+              <a:ea typeface="+mn-ea"/>
+              <a:cs typeface="+mn-cs"/>
+            </a:endParaRPr>
+          </a:p>
+        </p:txBody>
+      </p:sp>
+      <p:sp>
+        <p:nvSpPr>
+          <p:cNvPr id="12" name="Freeform: Shape 11">
+            <a:extLst>
+              <a:ext uri="{FF2B5EF4-FFF2-40B4-BE49-F238E27FC236}">
+                <a16:creationId xmlns:a16="http://schemas.microsoft.com/office/drawing/2014/main" id="{FF9DEA15-78BD-4750-AA18-B9F28A6D5AB8}"/>
+              </a:ext>
+              <a:ext uri="{C183D7F6-B498-43B3-948B-1728B52AA6E4}">
+                <adec:decorative xmlns:adec="http://schemas.microsoft.com/office/drawing/2017/decorative" val="1"/>
+              </a:ext>
+            </a:extLst>
+          </p:cNvPr>
+          <p:cNvSpPr>
+            <a:spLocks noGrp="1" noRot="1" noChangeAspect="1" noMove="1" noResize="1" noEditPoints="1" noAdjustHandles="1" noChangeArrowheads="1" noChangeShapeType="1" noTextEdit="1"/>
+          </p:cNvSpPr>
+          <p:nvPr>
+            <p:extLst>
+              <p:ext uri="{386F3935-93C4-4BCD-93E2-E3B085C9AB24}">
+                <p16:designElem xmlns:p16="http://schemas.microsoft.com/office/powerpoint/2015/main" val="1"/>
+              </p:ext>
+            </p:extLst>
+          </p:nvPr>
+        </p:nvSpPr>
+        <p:spPr>
+          <a:xfrm>
+            <a:off x="0" y="0"/>
+            <a:ext cx="3284331" cy="6858000"/>
+          </a:xfrm>
+          <a:custGeom>
+            <a:avLst/>
+            <a:gdLst>
+              <a:gd name="connsiteX0" fmla="*/ 0 w 4319042"/>
+              <a:gd name="connsiteY0" fmla="*/ 0 h 6858000"/>
+              <a:gd name="connsiteX1" fmla="*/ 1142888 w 4319042"/>
+              <a:gd name="connsiteY1" fmla="*/ 0 h 6858000"/>
+              <a:gd name="connsiteX2" fmla="*/ 4319042 w 4319042"/>
+              <a:gd name="connsiteY2" fmla="*/ 6858000 h 6858000"/>
+              <a:gd name="connsiteX3" fmla="*/ 0 w 4319042"/>
+              <a:gd name="connsiteY3" fmla="*/ 6858000 h 6858000"/>
+            </a:gdLst>
+            <a:ahLst/>
+            <a:cxnLst>
+              <a:cxn ang="0">
+                <a:pos x="connsiteX0" y="connsiteY0"/>
+              </a:cxn>
+              <a:cxn ang="0">
+                <a:pos x="connsiteX1" y="connsiteY1"/>
+              </a:cxn>
+              <a:cxn ang="0">
+                <a:pos x="connsiteX2" y="connsiteY2"/>
+              </a:cxn>
+              <a:cxn ang="0">
+                <a:pos x="connsiteX3" y="connsiteY3"/>
+              </a:cxn>
+            </a:cxnLst>
+            <a:rect l="l" t="t" r="r" b="b"/>
+            <a:pathLst>
+              <a:path w="4319042" h="6858000">
+                <a:moveTo>
+                  <a:pt x="0" y="0"/>
+                </a:moveTo>
+                <a:lnTo>
+                  <a:pt x="1142888" y="0"/>
+                </a:lnTo>
+                <a:lnTo>
+                  <a:pt x="4319042" y="6858000"/>
+                </a:lnTo>
+                <a:lnTo>
+                  <a:pt x="0" y="6858000"/>
+                </a:lnTo>
+                <a:close/>
+              </a:path>
+            </a:pathLst>
+          </a:custGeom>
+          <a:solidFill>
+            <a:schemeClr val="tx1">
+              <a:alpha val="35000"/>
+            </a:schemeClr>
+          </a:solidFill>
+          <a:ln>
+            <a:noFill/>
+          </a:ln>
+        </p:spPr>
+        <p:style>
+          <a:lnRef idx="2">
+            <a:schemeClr val="accent1">
+              <a:shade val="50000"/>
+            </a:schemeClr>
+          </a:lnRef>
+          <a:fillRef idx="1">
+            <a:schemeClr val="accent1"/>
+          </a:fillRef>
+          <a:effectRef idx="0">
+            <a:schemeClr val="accent1"/>
+          </a:effectRef>
+          <a:fontRef idx="minor">
+            <a:schemeClr val="lt1"/>
+          </a:fontRef>
+        </p:style>
+        <p:txBody>
+          <a:bodyPr wrap="square" rtlCol="0" anchor="ctr">
+            <a:noAutofit/>
+          </a:bodyPr>
+          <a:lstStyle/>
+          <a:p>
+            <a:pPr marL="0" marR="0" lvl="0" indent="0" algn="ctr" defTabSz="914400" rtl="0" eaLnBrk="1" fontAlgn="auto" latinLnBrk="0" hangingPunct="1">
+              <a:lnSpc>
+                <a:spcPct val="100000"/>
+              </a:lnSpc>
+              <a:spcBef>
+                <a:spcPts val="0"/>
+              </a:spcBef>
+              <a:spcAft>
+                <a:spcPts val="0"/>
+              </a:spcAft>
+              <a:buClrTx/>
+              <a:buSzTx/>
+              <a:buFontTx/>
+              <a:buNone/>
+              <a:tabLst/>
+              <a:defRPr/>
+            </a:pPr>
+            <a:endParaRPr kumimoji="0" lang="en-US" sz="1800" b="0" i="0" u="none" strike="noStrike" kern="1200" cap="none" spc="0" normalizeH="0" baseline="0" noProof="0">
+              <a:ln>
+                <a:noFill/>
+              </a:ln>
+              <a:solidFill>
+                <a:prstClr val="white"/>
+              </a:solidFill>
+              <a:effectLst/>
+              <a:uLnTx/>
+              <a:uFillTx/>
+              <a:latin typeface="Calibri" panose="020F0502020204030204"/>
+              <a:ea typeface="+mn-ea"/>
+              <a:cs typeface="+mn-cs"/>
+            </a:endParaRPr>
+          </a:p>
+        </p:txBody>
+      </p:sp>
       <p:sp>
         <p:nvSpPr>
           <p:cNvPr id="2" name="Title 1">
@@ -10369,13 +12496,24 @@
             <p:ph type="title"/>
           </p:nvPr>
         </p:nvSpPr>
-        <p:spPr/>
-        <p:txBody>
-          <a:bodyPr/>
-          <a:lstStyle/>
-          <a:p>
-            <a:r>
-              <a:rPr lang="en-US" dirty="0"/>
+        <p:spPr>
+          <a:xfrm>
+            <a:off x="804672" y="640080"/>
+            <a:ext cx="3282696" cy="5257800"/>
+          </a:xfrm>
+        </p:spPr>
+        <p:txBody>
+          <a:bodyPr>
+            <a:normAutofit/>
+          </a:bodyPr>
+          <a:lstStyle/>
+          <a:p>
+            <a:r>
+              <a:rPr lang="en-US" sz="1800">
+                <a:solidFill>
+                  <a:schemeClr val="bg1"/>
+                </a:solidFill>
+              </a:rPr>
               <a:t>Demographic/Socioeconomic Characteristics</a:t>
             </a:r>
           </a:p>
@@ -10397,19 +12535,26 @@
             <p:ph idx="1"/>
           </p:nvPr>
         </p:nvSpPr>
-        <p:spPr/>
-        <p:txBody>
-          <a:bodyPr/>
-          <a:lstStyle/>
-          <a:p>
-            <a:r>
-              <a:rPr lang="en-US" dirty="0"/>
+        <p:spPr>
+          <a:xfrm>
+            <a:off x="5358384" y="640081"/>
+            <a:ext cx="6024654" cy="5257800"/>
+          </a:xfrm>
+        </p:spPr>
+        <p:txBody>
+          <a:bodyPr anchor="ctr">
+            <a:normAutofit/>
+          </a:bodyPr>
+          <a:lstStyle/>
+          <a:p>
+            <a:r>
+              <a:rPr lang="en-US" sz="2400"/>
               <a:t>Often used to divide a population into groups (e.g., for market segmentation purposes) </a:t>
             </a:r>
           </a:p>
           <a:p>
             <a:r>
-              <a:rPr lang="en-US" dirty="0"/>
+              <a:rPr lang="en-US" sz="2400"/>
               <a:t>Some commonly measured variables: </a:t>
             </a:r>
           </a:p>
@@ -10473,6 +12618,14 @@
 <file path=ppt/slides/slide9.xml><?xml version="1.0" encoding="utf-8"?>
 <p:sld xmlns:a="http://schemas.openxmlformats.org/drawingml/2006/main" xmlns:r="http://schemas.openxmlformats.org/officeDocument/2006/relationships" xmlns:p="http://schemas.openxmlformats.org/presentationml/2006/main">
   <p:cSld>
+    <p:bg>
+      <p:bgPr>
+        <a:solidFill>
+          <a:schemeClr val="bg1"/>
+        </a:solidFill>
+        <a:effectLst/>
+      </p:bgPr>
+    </p:bg>
     <p:spTree>
       <p:nvGrpSpPr>
         <p:cNvPr id="1" name=""/>
@@ -10487,6 +12640,328 @@
           <a:chExt cx="0" cy="0"/>
         </a:xfrm>
       </p:grpSpPr>
+      <p:sp useBgFill="1">
+        <p:nvSpPr>
+          <p:cNvPr id="8" name="Rectangle 7">
+            <a:extLst>
+              <a:ext uri="{FF2B5EF4-FFF2-40B4-BE49-F238E27FC236}">
+                <a16:creationId xmlns:a16="http://schemas.microsoft.com/office/drawing/2014/main" id="{C7FA33FF-088D-4F16-95A2-2C64D353DEA8}"/>
+              </a:ext>
+              <a:ext uri="{C183D7F6-B498-43B3-948B-1728B52AA6E4}">
+                <adec:decorative xmlns:adec="http://schemas.microsoft.com/office/drawing/2017/decorative" val="1"/>
+              </a:ext>
+            </a:extLst>
+          </p:cNvPr>
+          <p:cNvSpPr>
+            <a:spLocks noGrp="1" noRot="1" noChangeAspect="1" noMove="1" noResize="1" noEditPoints="1" noAdjustHandles="1" noChangeArrowheads="1" noChangeShapeType="1" noTextEdit="1"/>
+          </p:cNvSpPr>
+          <p:nvPr>
+            <p:extLst>
+              <p:ext uri="{386F3935-93C4-4BCD-93E2-E3B085C9AB24}">
+                <p16:designElem xmlns:p16="http://schemas.microsoft.com/office/powerpoint/2015/main" val="1"/>
+              </p:ext>
+            </p:extLst>
+          </p:nvPr>
+        </p:nvSpPr>
+        <p:spPr>
+          <a:xfrm>
+            <a:off x="1524" y="0"/>
+            <a:ext cx="12188952" cy="6858000"/>
+          </a:xfrm>
+          <a:prstGeom prst="rect">
+            <a:avLst/>
+          </a:prstGeom>
+          <a:ln>
+            <a:noFill/>
+          </a:ln>
+        </p:spPr>
+        <p:style>
+          <a:lnRef idx="2">
+            <a:schemeClr val="accent1">
+              <a:shade val="50000"/>
+            </a:schemeClr>
+          </a:lnRef>
+          <a:fillRef idx="1">
+            <a:schemeClr val="accent1"/>
+          </a:fillRef>
+          <a:effectRef idx="0">
+            <a:schemeClr val="accent1"/>
+          </a:effectRef>
+          <a:fontRef idx="minor">
+            <a:schemeClr val="lt1"/>
+          </a:fontRef>
+        </p:style>
+        <p:txBody>
+          <a:bodyPr rtlCol="0" anchor="ctr"/>
+          <a:lstStyle/>
+          <a:p>
+            <a:pPr marL="0" marR="0" lvl="0" indent="0" algn="ctr" defTabSz="914400" rtl="0" eaLnBrk="1" fontAlgn="auto" latinLnBrk="0" hangingPunct="1">
+              <a:lnSpc>
+                <a:spcPct val="100000"/>
+              </a:lnSpc>
+              <a:spcBef>
+                <a:spcPts val="0"/>
+              </a:spcBef>
+              <a:spcAft>
+                <a:spcPts val="0"/>
+              </a:spcAft>
+              <a:buClrTx/>
+              <a:buSzTx/>
+              <a:buFontTx/>
+              <a:buNone/>
+              <a:tabLst/>
+              <a:defRPr/>
+            </a:pPr>
+            <a:endParaRPr kumimoji="0" lang="en-US" sz="1800" b="0" i="0" u="none" strike="noStrike" kern="1200" cap="none" spc="0" normalizeH="0" baseline="0" noProof="0">
+              <a:ln>
+                <a:noFill/>
+              </a:ln>
+              <a:solidFill>
+                <a:prstClr val="white"/>
+              </a:solidFill>
+              <a:effectLst/>
+              <a:uLnTx/>
+              <a:uFillTx/>
+              <a:latin typeface="Calibri" panose="020F0502020204030204"/>
+              <a:ea typeface="+mn-ea"/>
+              <a:cs typeface="+mn-cs"/>
+            </a:endParaRPr>
+          </a:p>
+        </p:txBody>
+      </p:sp>
+      <p:sp>
+        <p:nvSpPr>
+          <p:cNvPr id="10" name="Rectangle 9">
+            <a:extLst>
+              <a:ext uri="{FF2B5EF4-FFF2-40B4-BE49-F238E27FC236}">
+                <a16:creationId xmlns:a16="http://schemas.microsoft.com/office/drawing/2014/main" id="{A376EFB1-01CF-419F-ABF1-2AF02BBFCBD1}"/>
+              </a:ext>
+              <a:ext uri="{C183D7F6-B498-43B3-948B-1728B52AA6E4}">
+                <adec:decorative xmlns:adec="http://schemas.microsoft.com/office/drawing/2017/decorative" val="1"/>
+              </a:ext>
+            </a:extLst>
+          </p:cNvPr>
+          <p:cNvSpPr>
+            <a:spLocks noGrp="1" noRot="1" noChangeAspect="1" noMove="1" noResize="1" noEditPoints="1" noAdjustHandles="1" noChangeArrowheads="1" noChangeShapeType="1" noTextEdit="1"/>
+          </p:cNvSpPr>
+          <p:nvPr>
+            <p:extLst>
+              <p:ext uri="{386F3935-93C4-4BCD-93E2-E3B085C9AB24}">
+                <p16:designElem xmlns:p16="http://schemas.microsoft.com/office/powerpoint/2015/main" val="1"/>
+              </p:ext>
+            </p:extLst>
+          </p:nvPr>
+        </p:nvSpPr>
+        <p:spPr>
+          <a:xfrm>
+            <a:off x="0" y="0"/>
+            <a:ext cx="4709160" cy="6858000"/>
+          </a:xfrm>
+          <a:prstGeom prst="rect">
+            <a:avLst/>
+          </a:prstGeom>
+          <a:solidFill>
+            <a:schemeClr val="tx1">
+              <a:alpha val="81000"/>
+            </a:schemeClr>
+          </a:solidFill>
+          <a:ln>
+            <a:noFill/>
+          </a:ln>
+        </p:spPr>
+        <p:style>
+          <a:lnRef idx="2">
+            <a:schemeClr val="accent1">
+              <a:shade val="50000"/>
+            </a:schemeClr>
+          </a:lnRef>
+          <a:fillRef idx="1">
+            <a:schemeClr val="accent1"/>
+          </a:fillRef>
+          <a:effectRef idx="0">
+            <a:schemeClr val="accent1"/>
+          </a:effectRef>
+          <a:fontRef idx="minor">
+            <a:schemeClr val="lt1"/>
+          </a:fontRef>
+        </p:style>
+        <p:txBody>
+          <a:bodyPr rtlCol="0" anchor="ctr"/>
+          <a:lstStyle/>
+          <a:p>
+            <a:pPr marL="0" marR="0" lvl="0" indent="0" algn="ctr" defTabSz="914400" rtl="0" eaLnBrk="1" fontAlgn="auto" latinLnBrk="0" hangingPunct="1">
+              <a:lnSpc>
+                <a:spcPct val="100000"/>
+              </a:lnSpc>
+              <a:spcBef>
+                <a:spcPts val="0"/>
+              </a:spcBef>
+              <a:spcAft>
+                <a:spcPts val="0"/>
+              </a:spcAft>
+              <a:buClrTx/>
+              <a:buSzTx/>
+              <a:buFontTx/>
+              <a:buNone/>
+              <a:tabLst/>
+              <a:defRPr/>
+            </a:pPr>
+            <a:endParaRPr kumimoji="0" lang="en-US" sz="1800" b="0" i="0" u="none" strike="noStrike" kern="1200" cap="none" spc="0" normalizeH="0" baseline="0" noProof="0">
+              <a:ln>
+                <a:noFill/>
+              </a:ln>
+              <a:solidFill>
+                <a:prstClr val="white"/>
+              </a:solidFill>
+              <a:effectLst/>
+              <a:uLnTx/>
+              <a:uFillTx/>
+              <a:latin typeface="Calibri" panose="020F0502020204030204"/>
+              <a:ea typeface="+mn-ea"/>
+              <a:cs typeface="+mn-cs"/>
+            </a:endParaRPr>
+          </a:p>
+        </p:txBody>
+      </p:sp>
+      <p:sp>
+        <p:nvSpPr>
+          <p:cNvPr id="12" name="Freeform: Shape 11">
+            <a:extLst>
+              <a:ext uri="{FF2B5EF4-FFF2-40B4-BE49-F238E27FC236}">
+                <a16:creationId xmlns:a16="http://schemas.microsoft.com/office/drawing/2014/main" id="{FF9DEA15-78BD-4750-AA18-B9F28A6D5AB8}"/>
+              </a:ext>
+              <a:ext uri="{C183D7F6-B498-43B3-948B-1728B52AA6E4}">
+                <adec:decorative xmlns:adec="http://schemas.microsoft.com/office/drawing/2017/decorative" val="1"/>
+              </a:ext>
+            </a:extLst>
+          </p:cNvPr>
+          <p:cNvSpPr>
+            <a:spLocks noGrp="1" noRot="1" noChangeAspect="1" noMove="1" noResize="1" noEditPoints="1" noAdjustHandles="1" noChangeArrowheads="1" noChangeShapeType="1" noTextEdit="1"/>
+          </p:cNvSpPr>
+          <p:nvPr>
+            <p:extLst>
+              <p:ext uri="{386F3935-93C4-4BCD-93E2-E3B085C9AB24}">
+                <p16:designElem xmlns:p16="http://schemas.microsoft.com/office/powerpoint/2015/main" val="1"/>
+              </p:ext>
+            </p:extLst>
+          </p:nvPr>
+        </p:nvSpPr>
+        <p:spPr>
+          <a:xfrm>
+            <a:off x="0" y="0"/>
+            <a:ext cx="3284331" cy="6858000"/>
+          </a:xfrm>
+          <a:custGeom>
+            <a:avLst/>
+            <a:gdLst>
+              <a:gd name="connsiteX0" fmla="*/ 0 w 4319042"/>
+              <a:gd name="connsiteY0" fmla="*/ 0 h 6858000"/>
+              <a:gd name="connsiteX1" fmla="*/ 1142888 w 4319042"/>
+              <a:gd name="connsiteY1" fmla="*/ 0 h 6858000"/>
+              <a:gd name="connsiteX2" fmla="*/ 4319042 w 4319042"/>
+              <a:gd name="connsiteY2" fmla="*/ 6858000 h 6858000"/>
+              <a:gd name="connsiteX3" fmla="*/ 0 w 4319042"/>
+              <a:gd name="connsiteY3" fmla="*/ 6858000 h 6858000"/>
+            </a:gdLst>
+            <a:ahLst/>
+            <a:cxnLst>
+              <a:cxn ang="0">
+                <a:pos x="connsiteX0" y="connsiteY0"/>
+              </a:cxn>
+              <a:cxn ang="0">
+                <a:pos x="connsiteX1" y="connsiteY1"/>
+              </a:cxn>
+              <a:cxn ang="0">
+                <a:pos x="connsiteX2" y="connsiteY2"/>
+              </a:cxn>
+              <a:cxn ang="0">
+                <a:pos x="connsiteX3" y="connsiteY3"/>
+              </a:cxn>
+            </a:cxnLst>
+            <a:rect l="l" t="t" r="r" b="b"/>
+            <a:pathLst>
+              <a:path w="4319042" h="6858000">
+                <a:moveTo>
+                  <a:pt x="0" y="0"/>
+                </a:moveTo>
+                <a:lnTo>
+                  <a:pt x="1142888" y="0"/>
+                </a:lnTo>
+                <a:lnTo>
+                  <a:pt x="4319042" y="6858000"/>
+                </a:lnTo>
+                <a:lnTo>
+                  <a:pt x="0" y="6858000"/>
+                </a:lnTo>
+                <a:close/>
+              </a:path>
+            </a:pathLst>
+          </a:custGeom>
+          <a:solidFill>
+            <a:schemeClr val="tx1">
+              <a:alpha val="35000"/>
+            </a:schemeClr>
+          </a:solidFill>
+          <a:ln>
+            <a:noFill/>
+          </a:ln>
+        </p:spPr>
+        <p:style>
+          <a:lnRef idx="2">
+            <a:schemeClr val="accent1">
+              <a:shade val="50000"/>
+            </a:schemeClr>
+          </a:lnRef>
+          <a:fillRef idx="1">
+            <a:schemeClr val="accent1"/>
+          </a:fillRef>
+          <a:effectRef idx="0">
+            <a:schemeClr val="accent1"/>
+          </a:effectRef>
+          <a:fontRef idx="minor">
+            <a:schemeClr val="lt1"/>
+          </a:fontRef>
+        </p:style>
+        <p:txBody>
+          <a:bodyPr wrap="square" rtlCol="0" anchor="ctr">
+            <a:noAutofit/>
+          </a:bodyPr>
+          <a:lstStyle/>
+          <a:p>
+            <a:pPr marL="0" marR="0" lvl="0" indent="0" algn="ctr" defTabSz="914400" rtl="0" eaLnBrk="1" fontAlgn="auto" latinLnBrk="0" hangingPunct="1">
+              <a:lnSpc>
+                <a:spcPct val="100000"/>
+              </a:lnSpc>
+              <a:spcBef>
+                <a:spcPts val="0"/>
+              </a:spcBef>
+              <a:spcAft>
+                <a:spcPts val="0"/>
+              </a:spcAft>
+              <a:buClrTx/>
+              <a:buSzTx/>
+              <a:buFontTx/>
+              <a:buNone/>
+              <a:tabLst/>
+              <a:defRPr/>
+            </a:pPr>
+            <a:endParaRPr kumimoji="0" lang="en-US" sz="1800" b="0" i="0" u="none" strike="noStrike" kern="1200" cap="none" spc="0" normalizeH="0" baseline="0" noProof="0">
+              <a:ln>
+                <a:noFill/>
+              </a:ln>
+              <a:solidFill>
+                <a:prstClr val="white"/>
+              </a:solidFill>
+              <a:effectLst/>
+              <a:uLnTx/>
+              <a:uFillTx/>
+              <a:latin typeface="Calibri" panose="020F0502020204030204"/>
+              <a:ea typeface="+mn-ea"/>
+              <a:cs typeface="+mn-cs"/>
+            </a:endParaRPr>
+          </a:p>
+        </p:txBody>
+      </p:sp>
       <p:sp>
         <p:nvSpPr>
           <p:cNvPr id="2" name="Title 1">
@@ -10503,13 +12978,24 @@
             <p:ph type="title"/>
           </p:nvPr>
         </p:nvSpPr>
-        <p:spPr/>
-        <p:txBody>
-          <a:bodyPr/>
-          <a:lstStyle/>
-          <a:p>
-            <a:r>
-              <a:rPr lang="en-US" dirty="0"/>
+        <p:spPr>
+          <a:xfrm>
+            <a:off x="804672" y="640080"/>
+            <a:ext cx="3282696" cy="5257800"/>
+          </a:xfrm>
+        </p:spPr>
+        <p:txBody>
+          <a:bodyPr>
+            <a:normAutofit/>
+          </a:bodyPr>
+          <a:lstStyle/>
+          <a:p>
+            <a:r>
+              <a:rPr lang="en-US" sz="2800">
+                <a:solidFill>
+                  <a:schemeClr val="bg1"/>
+                </a:solidFill>
+              </a:rPr>
               <a:t>Personality/Lifestyle Characteristics</a:t>
             </a:r>
           </a:p>
@@ -10531,19 +13017,26 @@
             <p:ph idx="1"/>
           </p:nvPr>
         </p:nvSpPr>
-        <p:spPr/>
-        <p:txBody>
-          <a:bodyPr/>
-          <a:lstStyle/>
-          <a:p>
-            <a:r>
-              <a:rPr lang="en-US" dirty="0"/>
+        <p:spPr>
+          <a:xfrm>
+            <a:off x="5358384" y="640081"/>
+            <a:ext cx="6024654" cy="5257800"/>
+          </a:xfrm>
+        </p:spPr>
+        <p:txBody>
+          <a:bodyPr anchor="ctr">
+            <a:normAutofit/>
+          </a:bodyPr>
+          <a:lstStyle/>
+          <a:p>
+            <a:r>
+              <a:rPr lang="en-US" sz="2400"/>
               <a:t>Personality: normal patterns of behavior exhibited by an individual; the attributes, traits, and mannerisms that distinguish one individual from another </a:t>
             </a:r>
           </a:p>
           <a:p>
             <a:r>
-              <a:rPr lang="en-US" dirty="0"/>
+              <a:rPr lang="en-US" sz="2400"/>
               <a:t>Lifestyle: How individuals live, what interests them, their values, and what they like </a:t>
             </a:r>
           </a:p>
@@ -11448,15 +13941,6 @@
 </file>
 
 <file path=customXml/item1.xml><?xml version="1.0" encoding="utf-8"?>
-<?mso-contentType ?>
-<FormTemplates xmlns="http://schemas.microsoft.com/sharepoint/v3/contenttype/forms">
-  <Display>DocumentLibraryForm</Display>
-  <Edit>DocumentLibraryForm</Edit>
-  <New>DocumentLibraryForm</New>
-</FormTemplates>
-</file>
-
-<file path=customXml/item2.xml><?xml version="1.0" encoding="utf-8"?>
 <p:properties xmlns:p="http://schemas.microsoft.com/office/2006/metadata/properties" xmlns:xsi="http://www.w3.org/2001/XMLSchema-instance" xmlns:pc="http://schemas.microsoft.com/office/infopath/2007/PartnerControls">
   <documentManagement>
     <MediaServiceKeyPoints xmlns="71af3243-3dd4-4a8d-8c0d-dd76da1f02a5" xsi:nil="true"/>
@@ -11464,7 +13948,7 @@
 </p:properties>
 </file>
 
-<file path=customXml/item3.xml><?xml version="1.0" encoding="utf-8"?>
+<file path=customXml/item2.xml><?xml version="1.0" encoding="utf-8"?>
 <ct:contentTypeSchema xmlns:ct="http://schemas.microsoft.com/office/2006/metadata/contentType" xmlns:ma="http://schemas.microsoft.com/office/2006/metadata/properties/metaAttributes" ct:_="" ma:_="" ma:contentTypeName="Document" ma:contentTypeID="0x01010079F111ED35F8CC479449609E8A0923A6" ma:contentTypeVersion="11" ma:contentTypeDescription="Create a new document." ma:contentTypeScope="" ma:versionID="96291512c1ee715ab617f4c07df79fc1">
   <xsd:schema xmlns:xsd="http://www.w3.org/2001/XMLSchema" xmlns:xs="http://www.w3.org/2001/XMLSchema" xmlns:p="http://schemas.microsoft.com/office/2006/metadata/properties" xmlns:ns2="71af3243-3dd4-4a8d-8c0d-dd76da1f02a5" xmlns:ns3="16c05727-aa75-4e4a-9b5f-8a80a1165891" targetNamespace="http://schemas.microsoft.com/office/2006/metadata/properties" ma:root="true" ma:fieldsID="8256c27c40ca5c40ce1cf6c44f0205df" ns2:_="" ns3:_="">
     <xsd:import namespace="71af3243-3dd4-4a8d-8c0d-dd76da1f02a5"/>
@@ -11675,15 +14159,16 @@
 </ct:contentTypeSchema>
 </file>
 
-<file path=customXml/itemProps1.xml><?xml version="1.0" encoding="utf-8"?>
-<ds:datastoreItem xmlns:ds="http://schemas.openxmlformats.org/officeDocument/2006/customXml" ds:itemID="{5CA875DA-F9FD-4F83-A049-3B1027B542DE}">
-  <ds:schemaRefs>
-    <ds:schemaRef ds:uri="http://schemas.microsoft.com/sharepoint/v3/contenttype/forms"/>
-  </ds:schemaRefs>
-</ds:datastoreItem>
+<file path=customXml/item3.xml><?xml version="1.0" encoding="utf-8"?>
+<?mso-contentType ?>
+<FormTemplates xmlns="http://schemas.microsoft.com/sharepoint/v3/contenttype/forms">
+  <Display>DocumentLibraryForm</Display>
+  <Edit>DocumentLibraryForm</Edit>
+  <New>DocumentLibraryForm</New>
+</FormTemplates>
 </file>
 
-<file path=customXml/itemProps2.xml><?xml version="1.0" encoding="utf-8"?>
+<file path=customXml/itemProps1.xml><?xml version="1.0" encoding="utf-8"?>
 <ds:datastoreItem xmlns:ds="http://schemas.openxmlformats.org/officeDocument/2006/customXml" ds:itemID="{03C7D9E6-B0D9-433E-BD46-EB60F64F4DA8}">
   <ds:schemaRefs>
     <ds:schemaRef ds:uri="http://schemas.microsoft.com/office/2006/metadata/properties"/>
@@ -11693,7 +14178,7 @@
 </ds:datastoreItem>
 </file>
 
-<file path=customXml/itemProps3.xml><?xml version="1.0" encoding="utf-8"?>
+<file path=customXml/itemProps2.xml><?xml version="1.0" encoding="utf-8"?>
 <ds:datastoreItem xmlns:ds="http://schemas.openxmlformats.org/officeDocument/2006/customXml" ds:itemID="{B2AB02E3-5ADF-4BF0-9C1B-35CDF3FE95B0}">
   <ds:schemaRefs>
     <ds:schemaRef ds:uri="http://schemas.microsoft.com/office/2006/metadata/contentType"/>
@@ -11710,4 +14195,12 @@
     <ds:schemaRef ds:uri="http://schemas.microsoft.com/internal/obd"/>
   </ds:schemaRefs>
 </ds:datastoreItem>
+</file>
+
+<file path=customXml/itemProps3.xml><?xml version="1.0" encoding="utf-8"?>
+<ds:datastoreItem xmlns:ds="http://schemas.openxmlformats.org/officeDocument/2006/customXml" ds:itemID="{5CA875DA-F9FD-4F83-A049-3B1027B542DE}">
+  <ds:schemaRefs>
+    <ds:schemaRef ds:uri="http://schemas.microsoft.com/sharepoint/v3/contenttype/forms"/>
+  </ds:schemaRefs>
+</ds:datastoreItem>
 </file>